--- a/Project Review  20PD10.pptx
+++ b/Project Review  20PD10.pptx
@@ -5,7 +5,7 @@
     <p:sldMasterId id="2147483659" r:id="rId1"/>
   </p:sldMasterIdLst>
   <p:notesMasterIdLst>
-    <p:notesMasterId r:id="rId23"/>
+    <p:notesMasterId r:id="rId25"/>
   </p:notesMasterIdLst>
   <p:sldIdLst>
     <p:sldId id="256" r:id="rId2"/>
@@ -19,58 +19,60 @@
     <p:sldId id="273" r:id="rId10"/>
     <p:sldId id="274" r:id="rId11"/>
     <p:sldId id="267" r:id="rId12"/>
-    <p:sldId id="261" r:id="rId13"/>
-    <p:sldId id="262" r:id="rId14"/>
-    <p:sldId id="275" r:id="rId15"/>
-    <p:sldId id="276" r:id="rId16"/>
-    <p:sldId id="277" r:id="rId17"/>
-    <p:sldId id="268" r:id="rId18"/>
-    <p:sldId id="263" r:id="rId19"/>
-    <p:sldId id="264" r:id="rId20"/>
-    <p:sldId id="265" r:id="rId21"/>
-    <p:sldId id="266" r:id="rId22"/>
+    <p:sldId id="281" r:id="rId13"/>
+    <p:sldId id="261" r:id="rId14"/>
+    <p:sldId id="262" r:id="rId15"/>
+    <p:sldId id="275" r:id="rId16"/>
+    <p:sldId id="276" r:id="rId17"/>
+    <p:sldId id="277" r:id="rId18"/>
+    <p:sldId id="268" r:id="rId19"/>
+    <p:sldId id="263" r:id="rId20"/>
+    <p:sldId id="282" r:id="rId21"/>
+    <p:sldId id="264" r:id="rId22"/>
+    <p:sldId id="265" r:id="rId23"/>
+    <p:sldId id="266" r:id="rId24"/>
   </p:sldIdLst>
   <p:sldSz cx="9144000" cy="5143500" type="screen16x9"/>
   <p:notesSz cx="6858000" cy="9144000"/>
   <p:embeddedFontLst>
     <p:embeddedFont>
       <p:font typeface="Fira Sans Extra Condensed" panose="020B0503050000020004" pitchFamily="34" charset="0"/>
-      <p:regular r:id="rId24"/>
-      <p:bold r:id="rId25"/>
+      <p:regular r:id="rId26"/>
+      <p:bold r:id="rId27"/>
     </p:embeddedFont>
     <p:embeddedFont>
       <p:font typeface="Lato" panose="020F0502020204030203" pitchFamily="34" charset="0"/>
-      <p:regular r:id="rId26"/>
-      <p:bold r:id="rId27"/>
-      <p:italic r:id="rId28"/>
-      <p:boldItalic r:id="rId29"/>
+      <p:regular r:id="rId28"/>
+      <p:bold r:id="rId29"/>
+      <p:italic r:id="rId30"/>
+      <p:boldItalic r:id="rId31"/>
     </p:embeddedFont>
     <p:embeddedFont>
       <p:font typeface="Playfair Display" panose="00000500000000000000" pitchFamily="2" charset="0"/>
-      <p:regular r:id="rId30"/>
-      <p:bold r:id="rId31"/>
-      <p:italic r:id="rId32"/>
-      <p:boldItalic r:id="rId33"/>
+      <p:regular r:id="rId32"/>
+      <p:bold r:id="rId33"/>
+      <p:italic r:id="rId34"/>
+      <p:boldItalic r:id="rId35"/>
     </p:embeddedFont>
     <p:embeddedFont>
       <p:font typeface="Proxima Nova" panose="020B0604020202020204" charset="0"/>
-      <p:regular r:id="rId34"/>
-      <p:bold r:id="rId35"/>
-      <p:italic r:id="rId36"/>
-      <p:boldItalic r:id="rId37"/>
+      <p:regular r:id="rId36"/>
+      <p:bold r:id="rId37"/>
+      <p:italic r:id="rId38"/>
+      <p:boldItalic r:id="rId39"/>
     </p:embeddedFont>
     <p:embeddedFont>
       <p:font typeface="Proxima Nova Semibold" panose="020B0604020202020204" charset="0"/>
-      <p:regular r:id="rId38"/>
-      <p:bold r:id="rId39"/>
-      <p:boldItalic r:id="rId40"/>
+      <p:regular r:id="rId40"/>
+      <p:bold r:id="rId41"/>
+      <p:boldItalic r:id="rId42"/>
     </p:embeddedFont>
     <p:embeddedFont>
       <p:font typeface="Roboto" panose="02000000000000000000" pitchFamily="2" charset="0"/>
-      <p:regular r:id="rId41"/>
-      <p:bold r:id="rId42"/>
-      <p:italic r:id="rId43"/>
-      <p:boldItalic r:id="rId44"/>
+      <p:regular r:id="rId43"/>
+      <p:bold r:id="rId44"/>
+      <p:italic r:id="rId45"/>
+      <p:boldItalic r:id="rId46"/>
     </p:embeddedFont>
   </p:embeddedFontLst>
   <p:defaultTextStyle>
@@ -7893,6 +7895,127 @@
   <p:cSld>
     <p:spTree>
       <p:nvGrpSpPr>
+        <p:cNvPr id="1" name=""/>
+        <p:cNvGrpSpPr/>
+        <p:nvPr/>
+      </p:nvGrpSpPr>
+      <p:grpSpPr>
+        <a:xfrm>
+          <a:off x="0" y="0"/>
+          <a:ext cx="0" cy="0"/>
+          <a:chOff x="0" y="0"/>
+          <a:chExt cx="0" cy="0"/>
+        </a:xfrm>
+      </p:grpSpPr>
+      <p:sp>
+        <p:nvSpPr>
+          <p:cNvPr id="2" name="Title 1">
+            <a:extLst>
+              <a:ext uri="{FF2B5EF4-FFF2-40B4-BE49-F238E27FC236}">
+                <a16:creationId xmlns:a16="http://schemas.microsoft.com/office/drawing/2014/main" id="{CE6E40EA-71A5-C7F0-B473-82787283110F}"/>
+              </a:ext>
+            </a:extLst>
+          </p:cNvPr>
+          <p:cNvSpPr>
+            <a:spLocks noGrp="1"/>
+          </p:cNvSpPr>
+          <p:nvPr>
+            <p:ph type="title"/>
+          </p:nvPr>
+        </p:nvSpPr>
+        <p:spPr/>
+        <p:txBody>
+          <a:bodyPr>
+            <a:normAutofit fontScale="90000"/>
+          </a:bodyPr>
+          <a:lstStyle/>
+          <a:p>
+            <a:r>
+              <a:rPr lang="en-IN" dirty="0">
+                <a:solidFill>
+                  <a:schemeClr val="accent2">
+                    <a:lumMod val="50000"/>
+                  </a:schemeClr>
+                </a:solidFill>
+              </a:rPr>
+              <a:t>Example</a:t>
+            </a:r>
+          </a:p>
+        </p:txBody>
+      </p:sp>
+      <p:sp>
+        <p:nvSpPr>
+          <p:cNvPr id="3" name="Text Placeholder 2">
+            <a:extLst>
+              <a:ext uri="{FF2B5EF4-FFF2-40B4-BE49-F238E27FC236}">
+                <a16:creationId xmlns:a16="http://schemas.microsoft.com/office/drawing/2014/main" id="{1DBCF655-2EE0-C87C-444C-E810B744556B}"/>
+              </a:ext>
+            </a:extLst>
+          </p:cNvPr>
+          <p:cNvSpPr>
+            <a:spLocks noGrp="1"/>
+          </p:cNvSpPr>
+          <p:nvPr>
+            <p:ph type="body" idx="1"/>
+          </p:nvPr>
+        </p:nvSpPr>
+        <p:spPr/>
+        <p:txBody>
+          <a:bodyPr/>
+          <a:lstStyle/>
+          <a:p>
+            <a:endParaRPr lang="en-IN"/>
+          </a:p>
+        </p:txBody>
+      </p:sp>
+      <p:pic>
+        <p:nvPicPr>
+          <p:cNvPr id="5" name="Picture 4">
+            <a:extLst>
+              <a:ext uri="{FF2B5EF4-FFF2-40B4-BE49-F238E27FC236}">
+                <a16:creationId xmlns:a16="http://schemas.microsoft.com/office/drawing/2014/main" id="{DF09C1A7-0CCF-D6F3-F569-9FCFCC807BB8}"/>
+              </a:ext>
+            </a:extLst>
+          </p:cNvPr>
+          <p:cNvPicPr>
+            <a:picLocks noChangeAspect="1"/>
+          </p:cNvPicPr>
+          <p:nvPr/>
+        </p:nvPicPr>
+        <p:blipFill>
+          <a:blip r:embed="rId2"/>
+          <a:stretch>
+            <a:fillRect/>
+          </a:stretch>
+        </p:blipFill>
+        <p:spPr>
+          <a:xfrm>
+            <a:off x="875887" y="1152475"/>
+            <a:ext cx="7392225" cy="3461674"/>
+          </a:xfrm>
+          <a:prstGeom prst="rect">
+            <a:avLst/>
+          </a:prstGeom>
+        </p:spPr>
+      </p:pic>
+    </p:spTree>
+    <p:extLst>
+      <p:ext uri="{BB962C8B-B14F-4D97-AF65-F5344CB8AC3E}">
+        <p14:creationId xmlns:p14="http://schemas.microsoft.com/office/powerpoint/2010/main" val="1201206982"/>
+      </p:ext>
+    </p:extLst>
+  </p:cSld>
+  <p:clrMapOvr>
+    <a:masterClrMapping/>
+  </p:clrMapOvr>
+</p:sld>
+</file>
+
+<file path=ppt/slides/slide13.xml><?xml version="1.0" encoding="utf-8"?>
+<p:sld xmlns:a="http://schemas.openxmlformats.org/drawingml/2006/main" xmlns:r="http://schemas.openxmlformats.org/officeDocument/2006/relationships" xmlns:p="http://schemas.openxmlformats.org/presentationml/2006/main">
+  <p:cSld>
+    <p:spTree>
+      <p:nvGrpSpPr>
         <p:cNvPr id="1" name="Shape 90"/>
         <p:cNvGrpSpPr/>
         <p:nvPr/>
@@ -8434,7 +8557,7 @@
 </p:sld>
 </file>
 
-<file path=ppt/slides/slide13.xml><?xml version="1.0" encoding="utf-8"?>
+<file path=ppt/slides/slide14.xml><?xml version="1.0" encoding="utf-8"?>
 <p:sld xmlns:a="http://schemas.openxmlformats.org/drawingml/2006/main" xmlns:r="http://schemas.openxmlformats.org/officeDocument/2006/relationships" xmlns:p="http://schemas.openxmlformats.org/presentationml/2006/main">
   <p:cSld>
     <p:spTree>
@@ -8537,7 +8660,7 @@
         </p:spPr>
         <p:txBody>
           <a:bodyPr spcFirstLastPara="1" wrap="square" lIns="91425" tIns="91425" rIns="91425" bIns="91425" anchor="t" anchorCtr="0">
-            <a:normAutofit fontScale="92500" lnSpcReduction="20000"/>
+            <a:normAutofit/>
           </a:bodyPr>
           <a:lstStyle/>
           <a:p>
@@ -8612,22 +8735,48 @@
                 <a:cs typeface="Arial"/>
                 <a:sym typeface="Arial"/>
               </a:rPr>
-              <a:t>In the support system, there are three teams: L1 (Support Team), L2 (Data Team), and L3 (Technical Team). The challenge is that the L1 team receives a high volume of queries, but due to a small </a:t>
-            </a:r>
+              <a:t>In the support system, there are three teams: L1 (Support Team), L2 (Data Team),</a:t>
+            </a:r>
+          </a:p>
+          <a:p>
+            <a:pPr marL="0" lvl="0" indent="0" algn="l" rtl="0">
+              <a:lnSpc>
+                <a:spcPct val="160000"/>
+              </a:lnSpc>
+              <a:spcBef>
+                <a:spcPts val="1200"/>
+              </a:spcBef>
+              <a:spcAft>
+                <a:spcPts val="0"/>
+              </a:spcAft>
+              <a:buNone/>
+            </a:pPr>
             <a:r>
               <a:rPr lang="en" sz="1100" dirty="0">
                 <a:solidFill>
-                  <a:schemeClr val="accent2">
-                    <a:lumMod val="50000"/>
-                  </a:schemeClr>
+                  <a:srgbClr val="000000"/>
                 </a:solidFill>
                 <a:latin typeface="Arial"/>
                 <a:ea typeface="Arial"/>
                 <a:cs typeface="Arial"/>
                 <a:sym typeface="Arial"/>
               </a:rPr>
-              <a:t>team</a:t>
-            </a:r>
+              <a:t> and L3 (Technical Team). The challenge is that the L1 team receives a high volume</a:t>
+            </a:r>
+          </a:p>
+          <a:p>
+            <a:pPr marL="0" lvl="0" indent="0" algn="l" rtl="0">
+              <a:lnSpc>
+                <a:spcPct val="160000"/>
+              </a:lnSpc>
+              <a:spcBef>
+                <a:spcPts val="1200"/>
+              </a:spcBef>
+              <a:spcAft>
+                <a:spcPts val="0"/>
+              </a:spcAft>
+              <a:buNone/>
+            </a:pPr>
             <a:r>
               <a:rPr lang="en" sz="1100" dirty="0">
                 <a:solidFill>
@@ -8638,67 +8787,22 @@
                 <a:cs typeface="Arial"/>
                 <a:sym typeface="Arial"/>
               </a:rPr>
-              <a:t> size, handling them efficiently becomes difficult.</a:t>
-            </a:r>
-            <a:endParaRPr sz="1100" dirty="0">
-              <a:solidFill>
-                <a:srgbClr val="000000"/>
-              </a:solidFill>
-              <a:latin typeface="Arial"/>
-              <a:ea typeface="Arial"/>
-              <a:cs typeface="Arial"/>
-              <a:sym typeface="Arial"/>
-            </a:endParaRPr>
-          </a:p>
-          <a:p>
-            <a:pPr marL="0" lvl="0" indent="0" algn="l" rtl="0">
-              <a:lnSpc>
-                <a:spcPct val="160000"/>
-              </a:lnSpc>
-              <a:spcBef>
-                <a:spcPts val="1200"/>
-              </a:spcBef>
-              <a:spcAft>
-                <a:spcPts val="0"/>
-              </a:spcAft>
-              <a:buNone/>
-            </a:pPr>
+              <a:t> of queries, but due to a small </a:t>
+            </a:r>
             <a:r>
               <a:rPr lang="en" sz="1100" dirty="0">
                 <a:solidFill>
-                  <a:srgbClr val="000000"/>
+                  <a:schemeClr val="accent2">
+                    <a:lumMod val="50000"/>
+                  </a:schemeClr>
                 </a:solidFill>
                 <a:latin typeface="Arial"/>
                 <a:ea typeface="Arial"/>
                 <a:cs typeface="Arial"/>
                 <a:sym typeface="Arial"/>
               </a:rPr>
-              <a:t>To address this, we plan to develop an L0 bot that will:</a:t>
-            </a:r>
-            <a:endParaRPr sz="1100" dirty="0">
-              <a:solidFill>
-                <a:srgbClr val="000000"/>
-              </a:solidFill>
-              <a:latin typeface="Arial"/>
-              <a:ea typeface="Arial"/>
-              <a:cs typeface="Arial"/>
-              <a:sym typeface="Arial"/>
-            </a:endParaRPr>
-          </a:p>
-          <a:p>
-            <a:pPr marL="171450" lvl="0" indent="-171450" algn="l" rtl="0">
-              <a:lnSpc>
-                <a:spcPct val="160000"/>
-              </a:lnSpc>
-              <a:spcBef>
-                <a:spcPts val="1200"/>
-              </a:spcBef>
-              <a:spcAft>
-                <a:spcPts val="0"/>
-              </a:spcAft>
-              <a:buFont typeface="Wingdings" panose="05000000000000000000" pitchFamily="2" charset="2"/>
-              <a:buChar char="Ø"/>
-            </a:pPr>
+              <a:t>team</a:t>
+            </a:r>
             <a:r>
               <a:rPr lang="en" sz="1100" dirty="0">
                 <a:solidFill>
@@ -8709,117 +8813,9 @@
                 <a:cs typeface="Arial"/>
                 <a:sym typeface="Arial"/>
               </a:rPr>
-              <a:t> Collect user data and issue details before creating a ticket.</a:t>
+              <a:t> size, handling them efficiently becomes difficult.</a:t>
             </a:r>
             <a:endParaRPr sz="1100" dirty="0">
-              <a:solidFill>
-                <a:srgbClr val="000000"/>
-              </a:solidFill>
-              <a:latin typeface="Arial"/>
-              <a:ea typeface="Arial"/>
-              <a:cs typeface="Arial"/>
-              <a:sym typeface="Arial"/>
-            </a:endParaRPr>
-          </a:p>
-          <a:p>
-            <a:pPr marL="171450" lvl="0" indent="-171450" algn="l" rtl="0">
-              <a:lnSpc>
-                <a:spcPct val="160000"/>
-              </a:lnSpc>
-              <a:spcBef>
-                <a:spcPts val="1200"/>
-              </a:spcBef>
-              <a:spcAft>
-                <a:spcPts val="0"/>
-              </a:spcAft>
-              <a:buFont typeface="Wingdings" panose="05000000000000000000" pitchFamily="2" charset="2"/>
-              <a:buChar char="Ø"/>
-            </a:pPr>
-            <a:r>
-              <a:rPr lang="en" sz="1100" dirty="0">
-                <a:solidFill>
-                  <a:srgbClr val="000000"/>
-                </a:solidFill>
-                <a:latin typeface="Arial"/>
-                <a:ea typeface="Arial"/>
-                <a:cs typeface="Arial"/>
-                <a:sym typeface="Arial"/>
-              </a:rPr>
-              <a:t> Allow the L1 team to pick up and resolve tickets when available.</a:t>
-            </a:r>
-            <a:endParaRPr sz="1100" dirty="0">
-              <a:solidFill>
-                <a:srgbClr val="000000"/>
-              </a:solidFill>
-              <a:latin typeface="Arial"/>
-              <a:ea typeface="Arial"/>
-              <a:cs typeface="Arial"/>
-              <a:sym typeface="Arial"/>
-            </a:endParaRPr>
-          </a:p>
-          <a:p>
-            <a:pPr marL="171450" lvl="0" indent="-171450" algn="l" rtl="0">
-              <a:lnSpc>
-                <a:spcPct val="160000"/>
-              </a:lnSpc>
-              <a:spcBef>
-                <a:spcPts val="1200"/>
-              </a:spcBef>
-              <a:spcAft>
-                <a:spcPts val="0"/>
-              </a:spcAft>
-              <a:buFont typeface="Wingdings" panose="05000000000000000000" pitchFamily="2" charset="2"/>
-              <a:buChar char="Ø"/>
-            </a:pPr>
-            <a:r>
-              <a:rPr lang="en" sz="1100" dirty="0">
-                <a:solidFill>
-                  <a:srgbClr val="000000"/>
-                </a:solidFill>
-                <a:latin typeface="Arial"/>
-                <a:ea typeface="Arial"/>
-                <a:cs typeface="Arial"/>
-                <a:sym typeface="Arial"/>
-              </a:rPr>
-              <a:t> Handle repetitive and minor issues by providing automated AI-driven solutions.</a:t>
-            </a:r>
-            <a:endParaRPr sz="1100" dirty="0">
-              <a:solidFill>
-                <a:srgbClr val="000000"/>
-              </a:solidFill>
-              <a:latin typeface="Arial"/>
-              <a:ea typeface="Arial"/>
-              <a:cs typeface="Arial"/>
-              <a:sym typeface="Arial"/>
-            </a:endParaRPr>
-          </a:p>
-          <a:p>
-            <a:pPr marL="171450" lvl="0" indent="-171450" algn="l" rtl="0">
-              <a:lnSpc>
-                <a:spcPct val="160000"/>
-              </a:lnSpc>
-              <a:spcBef>
-                <a:spcPts val="1200"/>
-              </a:spcBef>
-              <a:spcAft>
-                <a:spcPts val="1200"/>
-              </a:spcAft>
-              <a:buFont typeface="Wingdings" panose="05000000000000000000" pitchFamily="2" charset="2"/>
-              <a:buChar char="Ø"/>
-            </a:pPr>
-            <a:r>
-              <a:rPr lang="en" sz="1100" dirty="0">
-                <a:solidFill>
-                  <a:srgbClr val="000000"/>
-                </a:solidFill>
-                <a:latin typeface="Arial"/>
-                <a:ea typeface="Arial"/>
-                <a:cs typeface="Arial"/>
-                <a:sym typeface="Arial"/>
-              </a:rPr>
-              <a:t> If the issue is resolved, no need for L1 intervention; otherwise, the L1 team takes over</a:t>
-            </a:r>
-            <a:endParaRPr sz="1200" b="1" dirty="0">
               <a:solidFill>
                 <a:srgbClr val="000000"/>
               </a:solidFill>
@@ -8847,7 +8843,7 @@
         </p:blipFill>
         <p:spPr>
           <a:xfrm>
-            <a:off x="5431151" y="2571753"/>
+            <a:off x="5743733" y="1767199"/>
             <a:ext cx="3278398" cy="2186951"/>
           </a:xfrm>
           <a:prstGeom prst="rect">
@@ -8867,7 +8863,7 @@
 </p:sld>
 </file>
 
-<file path=ppt/slides/slide14.xml><?xml version="1.0" encoding="utf-8"?>
+<file path=ppt/slides/slide15.xml><?xml version="1.0" encoding="utf-8"?>
 <p:sld xmlns:a="http://schemas.openxmlformats.org/drawingml/2006/main" xmlns:r="http://schemas.openxmlformats.org/officeDocument/2006/relationships" xmlns:p="http://schemas.openxmlformats.org/presentationml/2006/main">
   <p:cSld>
     <p:spTree>
@@ -9164,7 +9160,7 @@
 </p:sld>
 </file>
 
-<file path=ppt/slides/slide15.xml><?xml version="1.0" encoding="utf-8"?>
+<file path=ppt/slides/slide16.xml><?xml version="1.0" encoding="utf-8"?>
 <p:sld xmlns:a="http://schemas.openxmlformats.org/drawingml/2006/main" xmlns:r="http://schemas.openxmlformats.org/officeDocument/2006/relationships" xmlns:p="http://schemas.openxmlformats.org/presentationml/2006/main">
   <p:cSld>
     <p:spTree>
@@ -9563,7 +9559,7 @@
 </p:sld>
 </file>
 
-<file path=ppt/slides/slide16.xml><?xml version="1.0" encoding="utf-8"?>
+<file path=ppt/slides/slide17.xml><?xml version="1.0" encoding="utf-8"?>
 <p:sld xmlns:a="http://schemas.openxmlformats.org/drawingml/2006/main" xmlns:r="http://schemas.openxmlformats.org/officeDocument/2006/relationships" xmlns:p="http://schemas.openxmlformats.org/presentationml/2006/main">
   <p:cSld>
     <p:spTree>
@@ -9950,7 +9946,7 @@
 </p:sld>
 </file>
 
-<file path=ppt/slides/slide17.xml><?xml version="1.0" encoding="utf-8"?>
+<file path=ppt/slides/slide18.xml><?xml version="1.0" encoding="utf-8"?>
 <p:sld xmlns:a="http://schemas.openxmlformats.org/drawingml/2006/main" xmlns:r="http://schemas.openxmlformats.org/officeDocument/2006/relationships" xmlns:p="http://schemas.openxmlformats.org/presentationml/2006/main">
   <p:cSld>
     <p:spTree>
@@ -9990,7 +9986,16 @@
           </a:bodyPr>
           <a:lstStyle/>
           <a:p>
-            <a:endParaRPr lang="en-IN" dirty="0"/>
+            <a:r>
+              <a:rPr lang="en-IN" dirty="0">
+                <a:solidFill>
+                  <a:schemeClr val="accent2">
+                    <a:lumMod val="50000"/>
+                  </a:schemeClr>
+                </a:solidFill>
+              </a:rPr>
+              <a:t>Flow</a:t>
+            </a:r>
           </a:p>
         </p:txBody>
       </p:sp>
@@ -10041,8 +10046,8 @@
         </p:blipFill>
         <p:spPr>
           <a:xfrm>
-            <a:off x="1113663" y="391350"/>
-            <a:ext cx="6713474" cy="4568875"/>
+            <a:off x="1745841" y="1152475"/>
+            <a:ext cx="5151670" cy="3505985"/>
           </a:xfrm>
           <a:prstGeom prst="rect">
             <a:avLst/>
@@ -10062,7 +10067,7 @@
 </p:sld>
 </file>
 
-<file path=ppt/slides/slide18.xml><?xml version="1.0" encoding="utf-8"?>
+<file path=ppt/slides/slide19.xml><?xml version="1.0" encoding="utf-8"?>
 <p:sld xmlns:a="http://schemas.openxmlformats.org/drawingml/2006/main" xmlns:r="http://schemas.openxmlformats.org/officeDocument/2006/relationships" xmlns:p="http://schemas.openxmlformats.org/presentationml/2006/main">
   <p:cSld>
     <p:spTree>
@@ -10402,7 +10407,584 @@
 </p:sld>
 </file>
 
-<file path=ppt/slides/slide19.xml><?xml version="1.0" encoding="utf-8"?>
+<file path=ppt/slides/slide2.xml><?xml version="1.0" encoding="utf-8"?>
+<p:sld xmlns:a="http://schemas.openxmlformats.org/drawingml/2006/main" xmlns:r="http://schemas.openxmlformats.org/officeDocument/2006/relationships" xmlns:p="http://schemas.openxmlformats.org/presentationml/2006/main">
+  <p:cSld>
+    <p:spTree>
+      <p:nvGrpSpPr>
+        <p:cNvPr id="1" name=""/>
+        <p:cNvGrpSpPr/>
+        <p:nvPr/>
+      </p:nvGrpSpPr>
+      <p:grpSpPr>
+        <a:xfrm>
+          <a:off x="0" y="0"/>
+          <a:ext cx="0" cy="0"/>
+          <a:chOff x="0" y="0"/>
+          <a:chExt cx="0" cy="0"/>
+        </a:xfrm>
+      </p:grpSpPr>
+      <p:sp>
+        <p:nvSpPr>
+          <p:cNvPr id="2" name="Title 1">
+            <a:extLst>
+              <a:ext uri="{FF2B5EF4-FFF2-40B4-BE49-F238E27FC236}">
+                <a16:creationId xmlns:a16="http://schemas.microsoft.com/office/drawing/2014/main" id="{6A456B00-2E4E-ACC2-9D2A-2E7B99943D5F}"/>
+              </a:ext>
+            </a:extLst>
+          </p:cNvPr>
+          <p:cNvSpPr>
+            <a:spLocks noGrp="1"/>
+          </p:cNvSpPr>
+          <p:nvPr>
+            <p:ph type="title"/>
+          </p:nvPr>
+        </p:nvSpPr>
+        <p:spPr/>
+        <p:txBody>
+          <a:bodyPr>
+            <a:normAutofit fontScale="90000"/>
+          </a:bodyPr>
+          <a:lstStyle/>
+          <a:p>
+            <a:r>
+              <a:rPr lang="en" b="1" dirty="0">
+                <a:solidFill>
+                  <a:schemeClr val="accent2">
+                    <a:lumMod val="50000"/>
+                  </a:schemeClr>
+                </a:solidFill>
+                <a:latin typeface="Fira Sans Extra Condensed"/>
+                <a:ea typeface="Fira Sans Extra Condensed"/>
+                <a:cs typeface="Fira Sans Extra Condensed"/>
+                <a:sym typeface="Fira Sans Extra Condensed"/>
+              </a:rPr>
+              <a:t>Special Thanks</a:t>
+            </a:r>
+            <a:endParaRPr lang="en-IN" dirty="0">
+              <a:solidFill>
+                <a:schemeClr val="accent2">
+                  <a:lumMod val="50000"/>
+                </a:schemeClr>
+              </a:solidFill>
+            </a:endParaRPr>
+          </a:p>
+        </p:txBody>
+      </p:sp>
+      <p:sp>
+        <p:nvSpPr>
+          <p:cNvPr id="3" name="Text Placeholder 2">
+            <a:extLst>
+              <a:ext uri="{FF2B5EF4-FFF2-40B4-BE49-F238E27FC236}">
+                <a16:creationId xmlns:a16="http://schemas.microsoft.com/office/drawing/2014/main" id="{38FB5224-DB00-B40E-67C5-CB056B2792B7}"/>
+              </a:ext>
+            </a:extLst>
+          </p:cNvPr>
+          <p:cNvSpPr>
+            <a:spLocks noGrp="1"/>
+          </p:cNvSpPr>
+          <p:nvPr>
+            <p:ph type="body" idx="1"/>
+          </p:nvPr>
+        </p:nvSpPr>
+        <p:spPr/>
+        <p:txBody>
+          <a:bodyPr>
+            <a:normAutofit/>
+          </a:bodyPr>
+          <a:lstStyle/>
+          <a:p>
+            <a:pPr>
+              <a:lnSpc>
+                <a:spcPct val="150000"/>
+              </a:lnSpc>
+              <a:buFont typeface="Wingdings" panose="05000000000000000000" pitchFamily="2" charset="2"/>
+              <a:buChar char="Ø"/>
+            </a:pPr>
+            <a:r>
+              <a:rPr lang="en-US" sz="1200" b="1" dirty="0">
+                <a:solidFill>
+                  <a:schemeClr val="accent2">
+                    <a:lumMod val="50000"/>
+                  </a:schemeClr>
+                </a:solidFill>
+                <a:latin typeface="+mn-lt"/>
+              </a:rPr>
+              <a:t>Dr. R. Nadarajan, Director</a:t>
+            </a:r>
+            <a:r>
+              <a:rPr lang="en-US" sz="1200" dirty="0">
+                <a:solidFill>
+                  <a:schemeClr val="accent2">
+                    <a:lumMod val="50000"/>
+                  </a:schemeClr>
+                </a:solidFill>
+                <a:latin typeface="+mn-lt"/>
+              </a:rPr>
+              <a:t>,</a:t>
+            </a:r>
+          </a:p>
+          <a:p>
+            <a:pPr marL="114300" indent="0">
+              <a:lnSpc>
+                <a:spcPct val="150000"/>
+              </a:lnSpc>
+              <a:buNone/>
+            </a:pPr>
+            <a:r>
+              <a:rPr lang="en-US" sz="1100" i="1" dirty="0">
+                <a:solidFill>
+                  <a:schemeClr val="accent2">
+                    <a:lumMod val="50000"/>
+                  </a:schemeClr>
+                </a:solidFill>
+                <a:latin typeface="+mn-lt"/>
+              </a:rPr>
+              <a:t>         Department of Applied Mathematics and Computational Sciences, PSG College of Technology.</a:t>
+            </a:r>
+          </a:p>
+          <a:p>
+            <a:pPr>
+              <a:lnSpc>
+                <a:spcPct val="150000"/>
+              </a:lnSpc>
+              <a:buFont typeface="Wingdings" panose="05000000000000000000" pitchFamily="2" charset="2"/>
+              <a:buChar char="Ø"/>
+            </a:pPr>
+            <a:r>
+              <a:rPr lang="en-US" sz="1200" b="1" dirty="0">
+                <a:solidFill>
+                  <a:schemeClr val="accent2">
+                    <a:lumMod val="50000"/>
+                  </a:schemeClr>
+                </a:solidFill>
+                <a:latin typeface="+mn-lt"/>
+              </a:rPr>
+              <a:t>Dr. Shina Sheen, Head of the Department, </a:t>
+            </a:r>
+          </a:p>
+          <a:p>
+            <a:pPr marL="114300" indent="0">
+              <a:lnSpc>
+                <a:spcPct val="150000"/>
+              </a:lnSpc>
+              <a:buNone/>
+            </a:pPr>
+            <a:r>
+              <a:rPr lang="en-US" sz="1100" i="1" dirty="0">
+                <a:solidFill>
+                  <a:schemeClr val="accent2">
+                    <a:lumMod val="50000"/>
+                  </a:schemeClr>
+                </a:solidFill>
+                <a:latin typeface="+mn-lt"/>
+              </a:rPr>
+              <a:t>         Department of Applied Mathematics and Computational Sciences, PSG College of Technology.</a:t>
+            </a:r>
+          </a:p>
+          <a:p>
+            <a:pPr>
+              <a:lnSpc>
+                <a:spcPct val="150000"/>
+              </a:lnSpc>
+              <a:buFont typeface="Wingdings" panose="05000000000000000000" pitchFamily="2" charset="2"/>
+              <a:buChar char="Ø"/>
+            </a:pPr>
+            <a:r>
+              <a:rPr lang="en-US" sz="1200" b="1" dirty="0">
+                <a:solidFill>
+                  <a:schemeClr val="accent2">
+                    <a:lumMod val="50000"/>
+                  </a:schemeClr>
+                </a:solidFill>
+                <a:latin typeface="+mn-lt"/>
+              </a:rPr>
+              <a:t>Dr. M. Senthil Kumar, Course Coordinator</a:t>
+            </a:r>
+            <a:r>
+              <a:rPr lang="en-US" sz="1200" dirty="0">
+                <a:solidFill>
+                  <a:schemeClr val="accent2">
+                    <a:lumMod val="50000"/>
+                  </a:schemeClr>
+                </a:solidFill>
+                <a:latin typeface="+mn-lt"/>
+              </a:rPr>
+              <a:t>, </a:t>
+            </a:r>
+          </a:p>
+          <a:p>
+            <a:pPr marL="114300" indent="0">
+              <a:lnSpc>
+                <a:spcPct val="150000"/>
+              </a:lnSpc>
+              <a:buNone/>
+            </a:pPr>
+            <a:r>
+              <a:rPr lang="en-US" sz="1100" i="1" dirty="0">
+                <a:solidFill>
+                  <a:schemeClr val="accent2">
+                    <a:lumMod val="50000"/>
+                  </a:schemeClr>
+                </a:solidFill>
+                <a:latin typeface="+mn-lt"/>
+              </a:rPr>
+              <a:t>        Department of Applied Mathematics and Computational Sciences, PSG College of Technology.</a:t>
+            </a:r>
+          </a:p>
+          <a:p>
+            <a:pPr>
+              <a:lnSpc>
+                <a:spcPct val="150000"/>
+              </a:lnSpc>
+              <a:buFont typeface="Wingdings" panose="05000000000000000000" pitchFamily="2" charset="2"/>
+              <a:buChar char="Ø"/>
+            </a:pPr>
+            <a:r>
+              <a:rPr lang="en-US" sz="1200" b="1" dirty="0" err="1">
+                <a:solidFill>
+                  <a:schemeClr val="accent2">
+                    <a:lumMod val="50000"/>
+                  </a:schemeClr>
+                </a:solidFill>
+                <a:latin typeface="+mn-lt"/>
+              </a:rPr>
+              <a:t>Mrs</a:t>
+            </a:r>
+            <a:r>
+              <a:rPr lang="en-US" sz="1200" b="1" dirty="0">
+                <a:solidFill>
+                  <a:schemeClr val="accent2">
+                    <a:lumMod val="50000"/>
+                  </a:schemeClr>
+                </a:solidFill>
+                <a:latin typeface="+mn-lt"/>
+              </a:rPr>
+              <a:t> M </a:t>
+            </a:r>
+            <a:r>
+              <a:rPr lang="en-US" sz="1200" b="1" dirty="0" err="1">
+                <a:solidFill>
+                  <a:schemeClr val="accent2">
+                    <a:lumMod val="50000"/>
+                  </a:schemeClr>
+                </a:solidFill>
+                <a:latin typeface="+mn-lt"/>
+              </a:rPr>
+              <a:t>Kashthuri</a:t>
+            </a:r>
+            <a:r>
+              <a:rPr lang="en-US" sz="1200" b="1" dirty="0">
+                <a:solidFill>
+                  <a:schemeClr val="accent2">
+                    <a:lumMod val="50000"/>
+                  </a:schemeClr>
+                </a:solidFill>
+                <a:latin typeface="+mn-lt"/>
+              </a:rPr>
+              <a:t> Bai, Tutor,</a:t>
+            </a:r>
+          </a:p>
+          <a:p>
+            <a:pPr marL="114300" indent="0">
+              <a:lnSpc>
+                <a:spcPct val="150000"/>
+              </a:lnSpc>
+              <a:buNone/>
+            </a:pPr>
+            <a:r>
+              <a:rPr lang="en-US" sz="1000" i="1" dirty="0">
+                <a:solidFill>
+                  <a:schemeClr val="accent2">
+                    <a:lumMod val="50000"/>
+                  </a:schemeClr>
+                </a:solidFill>
+                <a:latin typeface="+mn-lt"/>
+              </a:rPr>
+              <a:t>          Department of Applied Mathematics and Computational Sciences, PSG College of Technology.</a:t>
+            </a:r>
+          </a:p>
+          <a:p>
+            <a:pPr>
+              <a:lnSpc>
+                <a:spcPct val="150000"/>
+              </a:lnSpc>
+              <a:buFont typeface="Wingdings" panose="05000000000000000000" pitchFamily="2" charset="2"/>
+              <a:buChar char="Ø"/>
+            </a:pPr>
+            <a:r>
+              <a:rPr lang="en-US" sz="1200" b="1" dirty="0" err="1">
+                <a:solidFill>
+                  <a:schemeClr val="accent2">
+                    <a:lumMod val="50000"/>
+                  </a:schemeClr>
+                </a:solidFill>
+                <a:latin typeface="+mn-lt"/>
+              </a:rPr>
+              <a:t>Ms</a:t>
+            </a:r>
+            <a:r>
+              <a:rPr lang="en-US" sz="1200" b="1" dirty="0">
+                <a:solidFill>
+                  <a:schemeClr val="accent2">
+                    <a:lumMod val="50000"/>
+                  </a:schemeClr>
+                </a:solidFill>
+                <a:latin typeface="+mn-lt"/>
+              </a:rPr>
+              <a:t> S </a:t>
+            </a:r>
+            <a:r>
+              <a:rPr lang="en-US" sz="1200" b="1" dirty="0" err="1">
+                <a:solidFill>
+                  <a:schemeClr val="accent2">
+                    <a:lumMod val="50000"/>
+                  </a:schemeClr>
+                </a:solidFill>
+                <a:latin typeface="+mn-lt"/>
+              </a:rPr>
+              <a:t>S</a:t>
+            </a:r>
+            <a:r>
+              <a:rPr lang="en-US" sz="1200" b="1" dirty="0">
+                <a:solidFill>
+                  <a:schemeClr val="accent2">
+                    <a:lumMod val="50000"/>
+                  </a:schemeClr>
+                </a:solidFill>
+                <a:latin typeface="+mn-lt"/>
+              </a:rPr>
+              <a:t>. Sudha, Academic Guide</a:t>
+            </a:r>
+            <a:r>
+              <a:rPr lang="en-US" sz="1200" dirty="0">
+                <a:solidFill>
+                  <a:schemeClr val="accent2">
+                    <a:lumMod val="50000"/>
+                  </a:schemeClr>
+                </a:solidFill>
+                <a:latin typeface="+mn-lt"/>
+              </a:rPr>
+              <a:t>, </a:t>
+            </a:r>
+          </a:p>
+          <a:p>
+            <a:pPr marL="114300" indent="0">
+              <a:lnSpc>
+                <a:spcPct val="150000"/>
+              </a:lnSpc>
+              <a:buNone/>
+            </a:pPr>
+            <a:r>
+              <a:rPr lang="en-US" sz="1000" i="1" dirty="0">
+                <a:solidFill>
+                  <a:schemeClr val="accent2">
+                    <a:lumMod val="50000"/>
+                  </a:schemeClr>
+                </a:solidFill>
+                <a:latin typeface="+mn-lt"/>
+              </a:rPr>
+              <a:t>           Department of Applied Mathematics and Computational Sciences, PSG College of Technology.</a:t>
+            </a:r>
+          </a:p>
+          <a:p>
+            <a:pPr>
+              <a:lnSpc>
+                <a:spcPct val="150000"/>
+              </a:lnSpc>
+              <a:buFont typeface="Wingdings" panose="05000000000000000000" pitchFamily="2" charset="2"/>
+              <a:buChar char="Ø"/>
+            </a:pPr>
+            <a:r>
+              <a:rPr lang="en-US" sz="1200" b="1" dirty="0" err="1">
+                <a:solidFill>
+                  <a:schemeClr val="accent2">
+                    <a:lumMod val="50000"/>
+                  </a:schemeClr>
+                </a:solidFill>
+                <a:latin typeface="+mn-lt"/>
+              </a:rPr>
+              <a:t>Mr</a:t>
+            </a:r>
+            <a:r>
+              <a:rPr lang="en-US" sz="1200" b="1" dirty="0">
+                <a:solidFill>
+                  <a:schemeClr val="accent2">
+                    <a:lumMod val="50000"/>
+                  </a:schemeClr>
+                </a:solidFill>
+                <a:latin typeface="+mn-lt"/>
+              </a:rPr>
+              <a:t> Ratnayash Pandey, </a:t>
+            </a:r>
+            <a:r>
+              <a:rPr lang="en-US" sz="1100" b="1" dirty="0">
+                <a:solidFill>
+                  <a:schemeClr val="accent2">
+                    <a:lumMod val="50000"/>
+                  </a:schemeClr>
+                </a:solidFill>
+                <a:latin typeface="+mn-lt"/>
+              </a:rPr>
+              <a:t>External Guide,</a:t>
+            </a:r>
+          </a:p>
+          <a:p>
+            <a:pPr marL="114300" indent="0">
+              <a:lnSpc>
+                <a:spcPct val="150000"/>
+              </a:lnSpc>
+              <a:buNone/>
+            </a:pPr>
+            <a:r>
+              <a:rPr lang="en-US" sz="900" i="1" dirty="0">
+                <a:solidFill>
+                  <a:schemeClr val="accent2">
+                    <a:lumMod val="50000"/>
+                  </a:schemeClr>
+                </a:solidFill>
+                <a:latin typeface="+mn-lt"/>
+              </a:rPr>
+              <a:t>           Project Manager at TVS Digital  Pvt. Ltd. </a:t>
+            </a:r>
+            <a:endParaRPr lang="en-US" sz="900" dirty="0">
+              <a:solidFill>
+                <a:schemeClr val="accent2">
+                  <a:lumMod val="50000"/>
+                </a:schemeClr>
+              </a:solidFill>
+              <a:latin typeface="+mn-lt"/>
+            </a:endParaRPr>
+          </a:p>
+        </p:txBody>
+      </p:sp>
+    </p:spTree>
+    <p:extLst>
+      <p:ext uri="{BB962C8B-B14F-4D97-AF65-F5344CB8AC3E}">
+        <p14:creationId xmlns:p14="http://schemas.microsoft.com/office/powerpoint/2010/main" val="4022164901"/>
+      </p:ext>
+    </p:extLst>
+  </p:cSld>
+  <p:clrMapOvr>
+    <a:masterClrMapping/>
+  </p:clrMapOvr>
+</p:sld>
+</file>
+
+<file path=ppt/slides/slide20.xml><?xml version="1.0" encoding="utf-8"?>
+<p:sld xmlns:a="http://schemas.openxmlformats.org/drawingml/2006/main" xmlns:r="http://schemas.openxmlformats.org/officeDocument/2006/relationships" xmlns:p="http://schemas.openxmlformats.org/presentationml/2006/main">
+  <p:cSld>
+    <p:spTree>
+      <p:nvGrpSpPr>
+        <p:cNvPr id="1" name=""/>
+        <p:cNvGrpSpPr/>
+        <p:nvPr/>
+      </p:nvGrpSpPr>
+      <p:grpSpPr>
+        <a:xfrm>
+          <a:off x="0" y="0"/>
+          <a:ext cx="0" cy="0"/>
+          <a:chOff x="0" y="0"/>
+          <a:chExt cx="0" cy="0"/>
+        </a:xfrm>
+      </p:grpSpPr>
+      <p:sp>
+        <p:nvSpPr>
+          <p:cNvPr id="2" name="Title 1">
+            <a:extLst>
+              <a:ext uri="{FF2B5EF4-FFF2-40B4-BE49-F238E27FC236}">
+                <a16:creationId xmlns:a16="http://schemas.microsoft.com/office/drawing/2014/main" id="{0710E93F-AA0B-2E54-7ADD-BB540F3D85AB}"/>
+              </a:ext>
+            </a:extLst>
+          </p:cNvPr>
+          <p:cNvSpPr>
+            <a:spLocks noGrp="1"/>
+          </p:cNvSpPr>
+          <p:nvPr>
+            <p:ph type="title"/>
+          </p:nvPr>
+        </p:nvSpPr>
+        <p:spPr/>
+        <p:txBody>
+          <a:bodyPr/>
+          <a:lstStyle/>
+          <a:p>
+            <a:endParaRPr lang="en-IN"/>
+          </a:p>
+        </p:txBody>
+      </p:sp>
+      <p:sp>
+        <p:nvSpPr>
+          <p:cNvPr id="3" name="Text Placeholder 2">
+            <a:extLst>
+              <a:ext uri="{FF2B5EF4-FFF2-40B4-BE49-F238E27FC236}">
+                <a16:creationId xmlns:a16="http://schemas.microsoft.com/office/drawing/2014/main" id="{2DAF7C33-530D-0587-B48D-3BF626C2515E}"/>
+              </a:ext>
+            </a:extLst>
+          </p:cNvPr>
+          <p:cNvSpPr>
+            <a:spLocks noGrp="1"/>
+          </p:cNvSpPr>
+          <p:nvPr>
+            <p:ph type="body" idx="1"/>
+          </p:nvPr>
+        </p:nvSpPr>
+        <p:spPr/>
+        <p:txBody>
+          <a:bodyPr/>
+          <a:lstStyle/>
+          <a:p>
+            <a:pPr marL="114300" indent="0">
+              <a:buNone/>
+            </a:pPr>
+            <a:endParaRPr lang="en-IN" dirty="0"/>
+          </a:p>
+        </p:txBody>
+      </p:sp>
+      <p:pic>
+        <p:nvPicPr>
+          <p:cNvPr id="5" name="Picture 4">
+            <a:extLst>
+              <a:ext uri="{FF2B5EF4-FFF2-40B4-BE49-F238E27FC236}">
+                <a16:creationId xmlns:a16="http://schemas.microsoft.com/office/drawing/2014/main" id="{5B1F2B1A-9203-80B3-0432-4A18D29F2880}"/>
+              </a:ext>
+            </a:extLst>
+          </p:cNvPr>
+          <p:cNvPicPr>
+            <a:picLocks noChangeAspect="1"/>
+          </p:cNvPicPr>
+          <p:nvPr/>
+        </p:nvPicPr>
+        <p:blipFill>
+          <a:blip r:embed="rId2"/>
+          <a:stretch>
+            <a:fillRect/>
+          </a:stretch>
+        </p:blipFill>
+        <p:spPr>
+          <a:xfrm>
+            <a:off x="1270000" y="1152475"/>
+            <a:ext cx="6604000" cy="3352874"/>
+          </a:xfrm>
+          <a:prstGeom prst="rect">
+            <a:avLst/>
+          </a:prstGeom>
+        </p:spPr>
+      </p:pic>
+    </p:spTree>
+    <p:extLst>
+      <p:ext uri="{BB962C8B-B14F-4D97-AF65-F5344CB8AC3E}">
+        <p14:creationId xmlns:p14="http://schemas.microsoft.com/office/powerpoint/2010/main" val="775506035"/>
+      </p:ext>
+    </p:extLst>
+  </p:cSld>
+  <p:clrMapOvr>
+    <a:masterClrMapping/>
+  </p:clrMapOvr>
+</p:sld>
+</file>
+
+<file path=ppt/slides/slide21.xml><?xml version="1.0" encoding="utf-8"?>
 <p:sld xmlns:a="http://schemas.openxmlformats.org/drawingml/2006/main" xmlns:r="http://schemas.openxmlformats.org/officeDocument/2006/relationships" xmlns:p="http://schemas.openxmlformats.org/presentationml/2006/main">
   <p:cSld>
     <p:spTree>
@@ -11480,471 +12062,7 @@
 </p:sld>
 </file>
 
-<file path=ppt/slides/slide2.xml><?xml version="1.0" encoding="utf-8"?>
-<p:sld xmlns:a="http://schemas.openxmlformats.org/drawingml/2006/main" xmlns:r="http://schemas.openxmlformats.org/officeDocument/2006/relationships" xmlns:p="http://schemas.openxmlformats.org/presentationml/2006/main">
-  <p:cSld>
-    <p:spTree>
-      <p:nvGrpSpPr>
-        <p:cNvPr id="1" name=""/>
-        <p:cNvGrpSpPr/>
-        <p:nvPr/>
-      </p:nvGrpSpPr>
-      <p:grpSpPr>
-        <a:xfrm>
-          <a:off x="0" y="0"/>
-          <a:ext cx="0" cy="0"/>
-          <a:chOff x="0" y="0"/>
-          <a:chExt cx="0" cy="0"/>
-        </a:xfrm>
-      </p:grpSpPr>
-      <p:sp>
-        <p:nvSpPr>
-          <p:cNvPr id="2" name="Title 1">
-            <a:extLst>
-              <a:ext uri="{FF2B5EF4-FFF2-40B4-BE49-F238E27FC236}">
-                <a16:creationId xmlns:a16="http://schemas.microsoft.com/office/drawing/2014/main" id="{6A456B00-2E4E-ACC2-9D2A-2E7B99943D5F}"/>
-              </a:ext>
-            </a:extLst>
-          </p:cNvPr>
-          <p:cNvSpPr>
-            <a:spLocks noGrp="1"/>
-          </p:cNvSpPr>
-          <p:nvPr>
-            <p:ph type="title"/>
-          </p:nvPr>
-        </p:nvSpPr>
-        <p:spPr/>
-        <p:txBody>
-          <a:bodyPr>
-            <a:normAutofit fontScale="90000"/>
-          </a:bodyPr>
-          <a:lstStyle/>
-          <a:p>
-            <a:r>
-              <a:rPr lang="en" b="1" dirty="0">
-                <a:solidFill>
-                  <a:schemeClr val="accent2">
-                    <a:lumMod val="50000"/>
-                  </a:schemeClr>
-                </a:solidFill>
-                <a:latin typeface="Fira Sans Extra Condensed"/>
-                <a:ea typeface="Fira Sans Extra Condensed"/>
-                <a:cs typeface="Fira Sans Extra Condensed"/>
-                <a:sym typeface="Fira Sans Extra Condensed"/>
-              </a:rPr>
-              <a:t>Special Thanks</a:t>
-            </a:r>
-            <a:endParaRPr lang="en-IN" dirty="0">
-              <a:solidFill>
-                <a:schemeClr val="accent2">
-                  <a:lumMod val="50000"/>
-                </a:schemeClr>
-              </a:solidFill>
-            </a:endParaRPr>
-          </a:p>
-        </p:txBody>
-      </p:sp>
-      <p:sp>
-        <p:nvSpPr>
-          <p:cNvPr id="3" name="Text Placeholder 2">
-            <a:extLst>
-              <a:ext uri="{FF2B5EF4-FFF2-40B4-BE49-F238E27FC236}">
-                <a16:creationId xmlns:a16="http://schemas.microsoft.com/office/drawing/2014/main" id="{38FB5224-DB00-B40E-67C5-CB056B2792B7}"/>
-              </a:ext>
-            </a:extLst>
-          </p:cNvPr>
-          <p:cNvSpPr>
-            <a:spLocks noGrp="1"/>
-          </p:cNvSpPr>
-          <p:nvPr>
-            <p:ph type="body" idx="1"/>
-          </p:nvPr>
-        </p:nvSpPr>
-        <p:spPr/>
-        <p:txBody>
-          <a:bodyPr>
-            <a:normAutofit/>
-          </a:bodyPr>
-          <a:lstStyle/>
-          <a:p>
-            <a:pPr>
-              <a:lnSpc>
-                <a:spcPct val="150000"/>
-              </a:lnSpc>
-              <a:buFont typeface="Wingdings" panose="05000000000000000000" pitchFamily="2" charset="2"/>
-              <a:buChar char="Ø"/>
-            </a:pPr>
-            <a:r>
-              <a:rPr lang="en-US" sz="1200" b="1" dirty="0">
-                <a:solidFill>
-                  <a:schemeClr val="accent2">
-                    <a:lumMod val="50000"/>
-                  </a:schemeClr>
-                </a:solidFill>
-                <a:latin typeface="+mn-lt"/>
-              </a:rPr>
-              <a:t>Dr. R. Nadarajan, Director</a:t>
-            </a:r>
-            <a:r>
-              <a:rPr lang="en-US" sz="1200" dirty="0">
-                <a:solidFill>
-                  <a:schemeClr val="accent2">
-                    <a:lumMod val="50000"/>
-                  </a:schemeClr>
-                </a:solidFill>
-                <a:latin typeface="+mn-lt"/>
-              </a:rPr>
-              <a:t>,</a:t>
-            </a:r>
-          </a:p>
-          <a:p>
-            <a:pPr marL="114300" indent="0">
-              <a:lnSpc>
-                <a:spcPct val="150000"/>
-              </a:lnSpc>
-              <a:buNone/>
-            </a:pPr>
-            <a:r>
-              <a:rPr lang="en-US" sz="1100" i="1" dirty="0">
-                <a:solidFill>
-                  <a:schemeClr val="accent2">
-                    <a:lumMod val="50000"/>
-                  </a:schemeClr>
-                </a:solidFill>
-                <a:latin typeface="+mn-lt"/>
-              </a:rPr>
-              <a:t>         Department of Applied Mathematics and Computational Sciences, PSG College of Technology.</a:t>
-            </a:r>
-          </a:p>
-          <a:p>
-            <a:pPr>
-              <a:lnSpc>
-                <a:spcPct val="150000"/>
-              </a:lnSpc>
-              <a:buFont typeface="Wingdings" panose="05000000000000000000" pitchFamily="2" charset="2"/>
-              <a:buChar char="Ø"/>
-            </a:pPr>
-            <a:r>
-              <a:rPr lang="en-US" sz="1200" b="1" dirty="0">
-                <a:solidFill>
-                  <a:schemeClr val="accent2">
-                    <a:lumMod val="50000"/>
-                  </a:schemeClr>
-                </a:solidFill>
-                <a:latin typeface="+mn-lt"/>
-              </a:rPr>
-              <a:t>Dr. Shina Sheen, Head of the Department, </a:t>
-            </a:r>
-          </a:p>
-          <a:p>
-            <a:pPr marL="114300" indent="0">
-              <a:lnSpc>
-                <a:spcPct val="150000"/>
-              </a:lnSpc>
-              <a:buNone/>
-            </a:pPr>
-            <a:r>
-              <a:rPr lang="en-US" sz="1100" i="1" dirty="0">
-                <a:solidFill>
-                  <a:schemeClr val="accent2">
-                    <a:lumMod val="50000"/>
-                  </a:schemeClr>
-                </a:solidFill>
-                <a:latin typeface="+mn-lt"/>
-              </a:rPr>
-              <a:t>         Department of Applied Mathematics and Computational Sciences, PSG College of Technology.</a:t>
-            </a:r>
-          </a:p>
-          <a:p>
-            <a:pPr>
-              <a:lnSpc>
-                <a:spcPct val="150000"/>
-              </a:lnSpc>
-              <a:buFont typeface="Wingdings" panose="05000000000000000000" pitchFamily="2" charset="2"/>
-              <a:buChar char="Ø"/>
-            </a:pPr>
-            <a:r>
-              <a:rPr lang="en-US" sz="1200" b="1" dirty="0">
-                <a:solidFill>
-                  <a:schemeClr val="accent2">
-                    <a:lumMod val="50000"/>
-                  </a:schemeClr>
-                </a:solidFill>
-                <a:latin typeface="+mn-lt"/>
-              </a:rPr>
-              <a:t>Dr. M. Senthil Kumar, Course Coordinator</a:t>
-            </a:r>
-            <a:r>
-              <a:rPr lang="en-US" sz="1200" dirty="0">
-                <a:solidFill>
-                  <a:schemeClr val="accent2">
-                    <a:lumMod val="50000"/>
-                  </a:schemeClr>
-                </a:solidFill>
-                <a:latin typeface="+mn-lt"/>
-              </a:rPr>
-              <a:t>, </a:t>
-            </a:r>
-          </a:p>
-          <a:p>
-            <a:pPr marL="114300" indent="0">
-              <a:lnSpc>
-                <a:spcPct val="150000"/>
-              </a:lnSpc>
-              <a:buNone/>
-            </a:pPr>
-            <a:r>
-              <a:rPr lang="en-US" sz="1100" i="1" dirty="0">
-                <a:solidFill>
-                  <a:schemeClr val="accent2">
-                    <a:lumMod val="50000"/>
-                  </a:schemeClr>
-                </a:solidFill>
-                <a:latin typeface="+mn-lt"/>
-              </a:rPr>
-              <a:t>        Department of Applied Mathematics and Computational Sciences, PSG College of Technology.</a:t>
-            </a:r>
-          </a:p>
-          <a:p>
-            <a:pPr>
-              <a:lnSpc>
-                <a:spcPct val="150000"/>
-              </a:lnSpc>
-              <a:buFont typeface="Wingdings" panose="05000000000000000000" pitchFamily="2" charset="2"/>
-              <a:buChar char="Ø"/>
-            </a:pPr>
-            <a:r>
-              <a:rPr lang="en-US" sz="1200" b="1" dirty="0" err="1">
-                <a:solidFill>
-                  <a:schemeClr val="accent2">
-                    <a:lumMod val="50000"/>
-                  </a:schemeClr>
-                </a:solidFill>
-                <a:latin typeface="+mn-lt"/>
-              </a:rPr>
-              <a:t>Mrs</a:t>
-            </a:r>
-            <a:r>
-              <a:rPr lang="en-US" sz="1200" b="1" dirty="0">
-                <a:solidFill>
-                  <a:schemeClr val="accent2">
-                    <a:lumMod val="50000"/>
-                  </a:schemeClr>
-                </a:solidFill>
-                <a:latin typeface="+mn-lt"/>
-              </a:rPr>
-              <a:t> M </a:t>
-            </a:r>
-            <a:r>
-              <a:rPr lang="en-US" sz="1200" b="1" dirty="0" err="1">
-                <a:solidFill>
-                  <a:schemeClr val="accent2">
-                    <a:lumMod val="50000"/>
-                  </a:schemeClr>
-                </a:solidFill>
-                <a:latin typeface="+mn-lt"/>
-              </a:rPr>
-              <a:t>Kashthuri</a:t>
-            </a:r>
-            <a:r>
-              <a:rPr lang="en-US" sz="1200" b="1" dirty="0">
-                <a:solidFill>
-                  <a:schemeClr val="accent2">
-                    <a:lumMod val="50000"/>
-                  </a:schemeClr>
-                </a:solidFill>
-                <a:latin typeface="+mn-lt"/>
-              </a:rPr>
-              <a:t> Bai, Tutor,</a:t>
-            </a:r>
-          </a:p>
-          <a:p>
-            <a:pPr marL="114300" indent="0">
-              <a:lnSpc>
-                <a:spcPct val="150000"/>
-              </a:lnSpc>
-              <a:buNone/>
-            </a:pPr>
-            <a:r>
-              <a:rPr lang="en-US" sz="1000" i="1" dirty="0">
-                <a:solidFill>
-                  <a:schemeClr val="accent2">
-                    <a:lumMod val="50000"/>
-                  </a:schemeClr>
-                </a:solidFill>
-                <a:latin typeface="+mn-lt"/>
-              </a:rPr>
-              <a:t>          Department of Applied Mathematics and Computational Sciences, PSG College of Technology.</a:t>
-            </a:r>
-          </a:p>
-          <a:p>
-            <a:pPr>
-              <a:lnSpc>
-                <a:spcPct val="150000"/>
-              </a:lnSpc>
-              <a:buFont typeface="Wingdings" panose="05000000000000000000" pitchFamily="2" charset="2"/>
-              <a:buChar char="Ø"/>
-            </a:pPr>
-            <a:r>
-              <a:rPr lang="en-US" sz="1200" b="1" dirty="0" err="1">
-                <a:solidFill>
-                  <a:schemeClr val="accent2">
-                    <a:lumMod val="50000"/>
-                  </a:schemeClr>
-                </a:solidFill>
-                <a:latin typeface="+mn-lt"/>
-              </a:rPr>
-              <a:t>Ms</a:t>
-            </a:r>
-            <a:r>
-              <a:rPr lang="en-US" sz="1200" b="1" dirty="0">
-                <a:solidFill>
-                  <a:schemeClr val="accent2">
-                    <a:lumMod val="50000"/>
-                  </a:schemeClr>
-                </a:solidFill>
-                <a:latin typeface="+mn-lt"/>
-              </a:rPr>
-              <a:t> S </a:t>
-            </a:r>
-            <a:r>
-              <a:rPr lang="en-US" sz="1200" b="1" dirty="0" err="1">
-                <a:solidFill>
-                  <a:schemeClr val="accent2">
-                    <a:lumMod val="50000"/>
-                  </a:schemeClr>
-                </a:solidFill>
-                <a:latin typeface="+mn-lt"/>
-              </a:rPr>
-              <a:t>S</a:t>
-            </a:r>
-            <a:r>
-              <a:rPr lang="en-US" sz="1200" b="1" dirty="0">
-                <a:solidFill>
-                  <a:schemeClr val="accent2">
-                    <a:lumMod val="50000"/>
-                  </a:schemeClr>
-                </a:solidFill>
-                <a:latin typeface="+mn-lt"/>
-              </a:rPr>
-              <a:t>. Sudha, Academic Guide</a:t>
-            </a:r>
-            <a:r>
-              <a:rPr lang="en-US" sz="1200" dirty="0">
-                <a:solidFill>
-                  <a:schemeClr val="accent2">
-                    <a:lumMod val="50000"/>
-                  </a:schemeClr>
-                </a:solidFill>
-                <a:latin typeface="+mn-lt"/>
-              </a:rPr>
-              <a:t>, </a:t>
-            </a:r>
-          </a:p>
-          <a:p>
-            <a:pPr marL="114300" indent="0">
-              <a:lnSpc>
-                <a:spcPct val="150000"/>
-              </a:lnSpc>
-              <a:buNone/>
-            </a:pPr>
-            <a:r>
-              <a:rPr lang="en-US" sz="1000" i="1" dirty="0">
-                <a:solidFill>
-                  <a:schemeClr val="accent2">
-                    <a:lumMod val="50000"/>
-                  </a:schemeClr>
-                </a:solidFill>
-                <a:latin typeface="+mn-lt"/>
-              </a:rPr>
-              <a:t>           Department of Applied Mathematics and Computational Sciences, PSG College of Technology.</a:t>
-            </a:r>
-          </a:p>
-          <a:p>
-            <a:pPr>
-              <a:lnSpc>
-                <a:spcPct val="150000"/>
-              </a:lnSpc>
-              <a:buFont typeface="Wingdings" panose="05000000000000000000" pitchFamily="2" charset="2"/>
-              <a:buChar char="Ø"/>
-            </a:pPr>
-            <a:r>
-              <a:rPr lang="en-US" sz="1200" b="1" dirty="0" err="1">
-                <a:solidFill>
-                  <a:schemeClr val="accent2">
-                    <a:lumMod val="50000"/>
-                  </a:schemeClr>
-                </a:solidFill>
-                <a:latin typeface="+mn-lt"/>
-              </a:rPr>
-              <a:t>Mr</a:t>
-            </a:r>
-            <a:r>
-              <a:rPr lang="en-US" sz="1200" b="1" dirty="0">
-                <a:solidFill>
-                  <a:schemeClr val="accent2">
-                    <a:lumMod val="50000"/>
-                  </a:schemeClr>
-                </a:solidFill>
-                <a:latin typeface="+mn-lt"/>
-              </a:rPr>
-              <a:t> Ratnayash Pandey, </a:t>
-            </a:r>
-            <a:r>
-              <a:rPr lang="en-US" sz="1100" b="1" dirty="0">
-                <a:solidFill>
-                  <a:schemeClr val="accent2">
-                    <a:lumMod val="50000"/>
-                  </a:schemeClr>
-                </a:solidFill>
-                <a:latin typeface="+mn-lt"/>
-              </a:rPr>
-              <a:t>External Guide,</a:t>
-            </a:r>
-          </a:p>
-          <a:p>
-            <a:pPr marL="114300" indent="0">
-              <a:lnSpc>
-                <a:spcPct val="150000"/>
-              </a:lnSpc>
-              <a:buNone/>
-            </a:pPr>
-            <a:r>
-              <a:rPr lang="en-US" sz="900" i="1" dirty="0">
-                <a:solidFill>
-                  <a:schemeClr val="accent2">
-                    <a:lumMod val="50000"/>
-                  </a:schemeClr>
-                </a:solidFill>
-                <a:latin typeface="+mn-lt"/>
-              </a:rPr>
-              <a:t>           Project Manager at TVS Digital  Pvt. Ltd. </a:t>
-            </a:r>
-            <a:endParaRPr lang="en-US" sz="900" dirty="0">
-              <a:solidFill>
-                <a:schemeClr val="accent2">
-                  <a:lumMod val="50000"/>
-                </a:schemeClr>
-              </a:solidFill>
-              <a:latin typeface="+mn-lt"/>
-            </a:endParaRPr>
-          </a:p>
-        </p:txBody>
-      </p:sp>
-    </p:spTree>
-    <p:extLst>
-      <p:ext uri="{BB962C8B-B14F-4D97-AF65-F5344CB8AC3E}">
-        <p14:creationId xmlns:p14="http://schemas.microsoft.com/office/powerpoint/2010/main" val="4022164901"/>
-      </p:ext>
-    </p:extLst>
-  </p:cSld>
-  <p:clrMapOvr>
-    <a:masterClrMapping/>
-  </p:clrMapOvr>
-</p:sld>
-</file>
-
-<file path=ppt/slides/slide20.xml><?xml version="1.0" encoding="utf-8"?>
+<file path=ppt/slides/slide22.xml><?xml version="1.0" encoding="utf-8"?>
 <p:sld xmlns:a="http://schemas.openxmlformats.org/drawingml/2006/main" xmlns:r="http://schemas.openxmlformats.org/officeDocument/2006/relationships" xmlns:p="http://schemas.openxmlformats.org/presentationml/2006/main">
   <p:cSld>
     <p:spTree>
@@ -12271,7 +12389,7 @@
 </p:sld>
 </file>
 
-<file path=ppt/slides/slide21.xml><?xml version="1.0" encoding="utf-8"?>
+<file path=ppt/slides/slide23.xml><?xml version="1.0" encoding="utf-8"?>
 <p:sld xmlns:a="http://schemas.openxmlformats.org/drawingml/2006/main" xmlns:r="http://schemas.openxmlformats.org/officeDocument/2006/relationships" xmlns:p="http://schemas.openxmlformats.org/presentationml/2006/main">
   <p:cSld>
     <p:spTree>

--- a/Project Review  20PD10.pptx
+++ b/Project Review  20PD10.pptx
@@ -7448,7 +7448,7 @@
         <p:spPr/>
         <p:txBody>
           <a:bodyPr>
-            <a:normAutofit lnSpcReduction="10000"/>
+            <a:normAutofit/>
           </a:bodyPr>
           <a:lstStyle/>
           <a:p>
@@ -7479,7 +7479,7 @@
               <a:buChar char="Ø"/>
             </a:pPr>
             <a:r>
-              <a:rPr lang="en-US" b="1" dirty="0">
+              <a:rPr lang="en-US" sz="1600" b="1" dirty="0">
                 <a:solidFill>
                   <a:schemeClr val="accent2">
                     <a:lumMod val="50000"/>
@@ -7489,7 +7489,7 @@
               </a:rPr>
               <a:t>Define Two Functions:</a:t>
             </a:r>
-            <a:endParaRPr lang="en-US" dirty="0">
+            <a:endParaRPr lang="en-US" sz="1600" dirty="0">
               <a:solidFill>
                 <a:schemeClr val="accent2">
                   <a:lumMod val="50000"/>
@@ -7591,7 +7591,7 @@
               <a:buChar char="Ø"/>
             </a:pPr>
             <a:r>
-              <a:rPr lang="en-US" b="1" dirty="0" err="1">
+              <a:rPr lang="en-US" sz="1600" b="1" dirty="0" err="1">
                 <a:solidFill>
                   <a:schemeClr val="accent2">
                     <a:lumMod val="50000"/>
@@ -7602,7 +7602,7 @@
               <a:t>LangChain</a:t>
             </a:r>
             <a:r>
-              <a:rPr lang="en-US" b="1" dirty="0">
+              <a:rPr lang="en-US" sz="1600" b="1" dirty="0">
                 <a:solidFill>
                   <a:schemeClr val="accent2">
                     <a:lumMod val="50000"/>
@@ -7612,7 +7612,7 @@
               </a:rPr>
               <a:t> Agent:</a:t>
             </a:r>
-            <a:endParaRPr lang="en-US" dirty="0">
+            <a:endParaRPr lang="en-US" sz="1600" dirty="0">
               <a:solidFill>
                 <a:schemeClr val="accent2">
                   <a:lumMod val="50000"/>
@@ -7703,7 +7703,7 @@
               <a:buChar char="Ø"/>
             </a:pPr>
             <a:r>
-              <a:rPr lang="en-US" b="1" dirty="0">
+              <a:rPr lang="en-US" sz="1600" b="1" dirty="0">
                 <a:solidFill>
                   <a:schemeClr val="accent2">
                     <a:lumMod val="50000"/>
@@ -7713,7 +7713,7 @@
               </a:rPr>
               <a:t>Execution:</a:t>
             </a:r>
-            <a:endParaRPr lang="en-US" dirty="0">
+            <a:endParaRPr lang="en-US" sz="1600" dirty="0">
               <a:solidFill>
                 <a:schemeClr val="accent2">
                   <a:lumMod val="50000"/>
@@ -8062,7 +8062,19 @@
               </a:spcAft>
               <a:buNone/>
             </a:pPr>
-            <a:endParaRPr/>
+            <a:r>
+              <a:rPr lang="en" sz="3200" b="1" dirty="0">
+                <a:solidFill>
+                  <a:srgbClr val="000000"/>
+                </a:solidFill>
+                <a:latin typeface="Arial"/>
+                <a:ea typeface="Arial"/>
+                <a:cs typeface="Arial"/>
+                <a:sym typeface="Arial"/>
+              </a:rPr>
+              <a:t> Key Features:</a:t>
+            </a:r>
+            <a:endParaRPr dirty="0"/>
           </a:p>
         </p:txBody>
       </p:sp>
@@ -8087,13 +8099,13 @@
         </p:spPr>
         <p:txBody>
           <a:bodyPr spcFirstLastPara="1" wrap="square" lIns="91425" tIns="91425" rIns="91425" bIns="91425" anchor="t" anchorCtr="0">
-            <a:normAutofit/>
+            <a:noAutofit/>
           </a:bodyPr>
           <a:lstStyle/>
           <a:p>
-            <a:pPr marL="0" lvl="0" indent="0" algn="l" rtl="0">
+            <a:pPr marL="285750" lvl="0" indent="-285750" algn="l" rtl="0">
               <a:lnSpc>
-                <a:spcPct val="200000"/>
+                <a:spcPct val="120000"/>
               </a:lnSpc>
               <a:spcBef>
                 <a:spcPts val="1200"/>
@@ -8101,10 +8113,11 @@
               <a:spcAft>
                 <a:spcPts val="1200"/>
               </a:spcAft>
-              <a:buNone/>
+              <a:buFont typeface="Wingdings" panose="05000000000000000000" pitchFamily="2" charset="2"/>
+              <a:buChar char="Ø"/>
             </a:pPr>
             <a:r>
-              <a:rPr lang="en" sz="1100" b="1" dirty="0">
+              <a:rPr lang="en-IN" sz="1400" dirty="0">
                 <a:solidFill>
                   <a:srgbClr val="000000"/>
                 </a:solidFill>
@@ -8113,10 +8126,25 @@
                 <a:cs typeface="Arial"/>
                 <a:sym typeface="Arial"/>
               </a:rPr>
-              <a:t> Key Features:</a:t>
-            </a:r>
-            <a:br>
-              <a:rPr lang="en-IN" sz="1100" b="1" dirty="0">
+              <a:t>Handles both structured and unstructured data.</a:t>
+            </a:r>
+          </a:p>
+          <a:p>
+            <a:pPr marL="285750" lvl="0" indent="-285750" algn="l" rtl="0">
+              <a:lnSpc>
+                <a:spcPct val="120000"/>
+              </a:lnSpc>
+              <a:spcBef>
+                <a:spcPts val="1200"/>
+              </a:spcBef>
+              <a:spcAft>
+                <a:spcPts val="1200"/>
+              </a:spcAft>
+              <a:buFont typeface="Wingdings" panose="05000000000000000000" pitchFamily="2" charset="2"/>
+              <a:buChar char="Ø"/>
+            </a:pPr>
+            <a:r>
+              <a:rPr lang="en-IN" sz="1400" dirty="0">
                 <a:solidFill>
                   <a:srgbClr val="000000"/>
                 </a:solidFill>
@@ -8125,9 +8153,10 @@
                 <a:cs typeface="Arial"/>
                 <a:sym typeface="Arial"/>
               </a:rPr>
-            </a:br>
-            <a:r>
-              <a:rPr lang="en" sz="1100" dirty="0">
+              <a:t>Uses </a:t>
+            </a:r>
+            <a:r>
+              <a:rPr lang="en-IN" sz="1400" b="1" dirty="0" err="1">
                 <a:solidFill>
                   <a:srgbClr val="000000"/>
                 </a:solidFill>
@@ -8136,10 +8165,10 @@
                 <a:cs typeface="Arial"/>
                 <a:sym typeface="Arial"/>
               </a:rPr>
-              <a:t> </a:t>
-            </a:r>
-            <a:r>
-              <a:rPr lang="en-IN" sz="1100" dirty="0">
+              <a:t>Langchain</a:t>
+            </a:r>
+            <a:r>
+              <a:rPr lang="en-IN" sz="1400" b="1" dirty="0">
                 <a:solidFill>
                   <a:srgbClr val="000000"/>
                 </a:solidFill>
@@ -8148,10 +8177,10 @@
                 <a:cs typeface="Arial"/>
                 <a:sym typeface="Arial"/>
               </a:rPr>
-              <a:t>Handles both structured and unstructured data.</a:t>
-            </a:r>
-            <a:br>
-              <a:rPr lang="en-IN" sz="1100" dirty="0">
+              <a:t>-Agents</a:t>
+            </a:r>
+            <a:r>
+              <a:rPr lang="en-IN" sz="1400" dirty="0">
                 <a:solidFill>
                   <a:srgbClr val="000000"/>
                 </a:solidFill>
@@ -8160,9 +8189,25 @@
                 <a:cs typeface="Arial"/>
                 <a:sym typeface="Arial"/>
               </a:rPr>
-            </a:br>
-            <a:r>
-              <a:rPr lang="en" sz="1100" dirty="0">
+              <a:t> to determine which data to utilize.</a:t>
+            </a:r>
+          </a:p>
+          <a:p>
+            <a:pPr marL="285750" lvl="0" indent="-285750" algn="l" rtl="0">
+              <a:lnSpc>
+                <a:spcPct val="120000"/>
+              </a:lnSpc>
+              <a:spcBef>
+                <a:spcPts val="1200"/>
+              </a:spcBef>
+              <a:spcAft>
+                <a:spcPts val="1200"/>
+              </a:spcAft>
+              <a:buFont typeface="Wingdings" panose="05000000000000000000" pitchFamily="2" charset="2"/>
+              <a:buChar char="Ø"/>
+            </a:pPr>
+            <a:r>
+              <a:rPr lang="en-IN" sz="1400" dirty="0">
                 <a:solidFill>
                   <a:srgbClr val="000000"/>
                 </a:solidFill>
@@ -8171,10 +8216,10 @@
                 <a:cs typeface="Arial"/>
                 <a:sym typeface="Arial"/>
               </a:rPr>
-              <a:t>✔ </a:t>
-            </a:r>
-            <a:r>
-              <a:rPr lang="en-IN" sz="1100" dirty="0">
+              <a:t>Employs </a:t>
+            </a:r>
+            <a:r>
+              <a:rPr lang="en-IN" sz="1400" b="1" dirty="0">
                 <a:solidFill>
                   <a:srgbClr val="000000"/>
                 </a:solidFill>
@@ -8183,10 +8228,10 @@
                 <a:cs typeface="Arial"/>
                 <a:sym typeface="Arial"/>
               </a:rPr>
-              <a:t>Uses </a:t>
-            </a:r>
-            <a:r>
-              <a:rPr lang="en-IN" sz="1100" b="1" dirty="0" err="1">
+              <a:t>PostgreSQL</a:t>
+            </a:r>
+            <a:r>
+              <a:rPr lang="en-IN" sz="1400" dirty="0">
                 <a:solidFill>
                   <a:srgbClr val="000000"/>
                 </a:solidFill>
@@ -8195,10 +8240,10 @@
                 <a:cs typeface="Arial"/>
                 <a:sym typeface="Arial"/>
               </a:rPr>
-              <a:t>Langchain</a:t>
-            </a:r>
-            <a:r>
-              <a:rPr lang="en-IN" sz="1100" b="1" dirty="0">
+              <a:t> for structured data and </a:t>
+            </a:r>
+            <a:r>
+              <a:rPr lang="en-IN" sz="1400" b="1" dirty="0">
                 <a:solidFill>
                   <a:srgbClr val="000000"/>
                 </a:solidFill>
@@ -8207,10 +8252,10 @@
                 <a:cs typeface="Arial"/>
                 <a:sym typeface="Arial"/>
               </a:rPr>
-              <a:t>-Agents</a:t>
-            </a:r>
-            <a:r>
-              <a:rPr lang="en-IN" sz="1100" dirty="0">
+              <a:t>Pinecone</a:t>
+            </a:r>
+            <a:r>
+              <a:rPr lang="en-IN" sz="1400" dirty="0">
                 <a:solidFill>
                   <a:srgbClr val="000000"/>
                 </a:solidFill>
@@ -8219,10 +8264,25 @@
                 <a:cs typeface="Arial"/>
                 <a:sym typeface="Arial"/>
               </a:rPr>
-              <a:t> to determine which data to utilize.</a:t>
-            </a:r>
-            <a:br>
-              <a:rPr lang="en-IN" sz="1100" dirty="0">
+              <a:t> for vector storage.</a:t>
+            </a:r>
+          </a:p>
+          <a:p>
+            <a:pPr marL="285750" lvl="0" indent="-285750" algn="l" rtl="0">
+              <a:lnSpc>
+                <a:spcPct val="120000"/>
+              </a:lnSpc>
+              <a:spcBef>
+                <a:spcPts val="1200"/>
+              </a:spcBef>
+              <a:spcAft>
+                <a:spcPts val="1200"/>
+              </a:spcAft>
+              <a:buFont typeface="Wingdings" panose="05000000000000000000" pitchFamily="2" charset="2"/>
+              <a:buChar char="Ø"/>
+            </a:pPr>
+            <a:r>
+              <a:rPr lang="en-IN" sz="1400" dirty="0">
                 <a:solidFill>
                   <a:srgbClr val="000000"/>
                 </a:solidFill>
@@ -8231,9 +8291,10 @@
                 <a:cs typeface="Arial"/>
                 <a:sym typeface="Arial"/>
               </a:rPr>
-            </a:br>
-            <a:r>
-              <a:rPr lang="en" sz="1100" dirty="0">
+              <a:t>Built with </a:t>
+            </a:r>
+            <a:r>
+              <a:rPr lang="en-IN" sz="1400" b="1" dirty="0" err="1">
                 <a:solidFill>
                   <a:srgbClr val="000000"/>
                 </a:solidFill>
@@ -8242,10 +8303,10 @@
                 <a:cs typeface="Arial"/>
                 <a:sym typeface="Arial"/>
               </a:rPr>
-              <a:t>✔ </a:t>
-            </a:r>
-            <a:r>
-              <a:rPr lang="en-IN" sz="1100" dirty="0">
+              <a:t>Streamlit</a:t>
+            </a:r>
+            <a:r>
+              <a:rPr lang="en-IN" sz="1400" dirty="0">
                 <a:solidFill>
                   <a:srgbClr val="000000"/>
                 </a:solidFill>
@@ -8254,10 +8315,25 @@
                 <a:cs typeface="Arial"/>
                 <a:sym typeface="Arial"/>
               </a:rPr>
-              <a:t>Employs </a:t>
-            </a:r>
-            <a:r>
-              <a:rPr lang="en-IN" sz="1100" b="1" dirty="0">
+              <a:t> for the user interface.</a:t>
+            </a:r>
+          </a:p>
+          <a:p>
+            <a:pPr marL="285750" lvl="0" indent="-285750" algn="l" rtl="0">
+              <a:lnSpc>
+                <a:spcPct val="120000"/>
+              </a:lnSpc>
+              <a:spcBef>
+                <a:spcPts val="1200"/>
+              </a:spcBef>
+              <a:spcAft>
+                <a:spcPts val="1200"/>
+              </a:spcAft>
+              <a:buFont typeface="Wingdings" panose="05000000000000000000" pitchFamily="2" charset="2"/>
+              <a:buChar char="Ø"/>
+            </a:pPr>
+            <a:r>
+              <a:rPr lang="en-IN" sz="1400" dirty="0">
                 <a:solidFill>
                   <a:srgbClr val="000000"/>
                 </a:solidFill>
@@ -8266,10 +8342,10 @@
                 <a:cs typeface="Arial"/>
                 <a:sym typeface="Arial"/>
               </a:rPr>
-              <a:t>PostgreSQL</a:t>
-            </a:r>
-            <a:r>
-              <a:rPr lang="en-IN" sz="1100" dirty="0">
+              <a:t>Utilizes </a:t>
+            </a:r>
+            <a:r>
+              <a:rPr lang="en-IN" sz="1400" b="1" dirty="0">
                 <a:solidFill>
                   <a:srgbClr val="000000"/>
                 </a:solidFill>
@@ -8278,10 +8354,10 @@
                 <a:cs typeface="Arial"/>
                 <a:sym typeface="Arial"/>
               </a:rPr>
-              <a:t> for structured data and </a:t>
-            </a:r>
-            <a:r>
-              <a:rPr lang="en-IN" sz="1100" b="1" dirty="0">
+              <a:t>Cohere embeddings</a:t>
+            </a:r>
+            <a:r>
+              <a:rPr lang="en-IN" sz="1400" dirty="0">
                 <a:solidFill>
                   <a:srgbClr val="000000"/>
                 </a:solidFill>
@@ -8290,10 +8366,10 @@
                 <a:cs typeface="Arial"/>
                 <a:sym typeface="Arial"/>
               </a:rPr>
-              <a:t>Pinecone</a:t>
-            </a:r>
-            <a:r>
-              <a:rPr lang="en-IN" sz="1100" dirty="0">
+              <a:t> and </a:t>
+            </a:r>
+            <a:r>
+              <a:rPr lang="en-IN" sz="1400" b="1" dirty="0">
                 <a:solidFill>
                   <a:srgbClr val="000000"/>
                 </a:solidFill>
@@ -8302,10 +8378,10 @@
                 <a:cs typeface="Arial"/>
                 <a:sym typeface="Arial"/>
               </a:rPr>
-              <a:t> for vector storage.</a:t>
-            </a:r>
-            <a:br>
-              <a:rPr lang="en-IN" sz="1100" dirty="0">
+              <a:t>Pinecone</a:t>
+            </a:r>
+            <a:r>
+              <a:rPr lang="en-IN" sz="1400" dirty="0">
                 <a:solidFill>
                   <a:srgbClr val="000000"/>
                 </a:solidFill>
@@ -8314,9 +8390,25 @@
                 <a:cs typeface="Arial"/>
                 <a:sym typeface="Arial"/>
               </a:rPr>
-            </a:br>
-            <a:r>
-              <a:rPr lang="en" sz="1100" dirty="0">
+              <a:t> for vector storage.</a:t>
+            </a:r>
+          </a:p>
+          <a:p>
+            <a:pPr marL="285750" lvl="0" indent="-285750" algn="l" rtl="0">
+              <a:lnSpc>
+                <a:spcPct val="120000"/>
+              </a:lnSpc>
+              <a:spcBef>
+                <a:spcPts val="1200"/>
+              </a:spcBef>
+              <a:spcAft>
+                <a:spcPts val="1200"/>
+              </a:spcAft>
+              <a:buFont typeface="Wingdings" panose="05000000000000000000" pitchFamily="2" charset="2"/>
+              <a:buChar char="Ø"/>
+            </a:pPr>
+            <a:r>
+              <a:rPr lang="en-IN" sz="1400" dirty="0">
                 <a:solidFill>
                   <a:srgbClr val="000000"/>
                 </a:solidFill>
@@ -8325,10 +8417,10 @@
                 <a:cs typeface="Arial"/>
                 <a:sym typeface="Arial"/>
               </a:rPr>
-              <a:t>✔ </a:t>
-            </a:r>
-            <a:r>
-              <a:rPr lang="en-IN" sz="1100" dirty="0">
+              <a:t>Implements </a:t>
+            </a:r>
+            <a:r>
+              <a:rPr lang="en-IN" sz="1400" b="1" dirty="0">
                 <a:solidFill>
                   <a:srgbClr val="000000"/>
                 </a:solidFill>
@@ -8337,10 +8429,10 @@
                 <a:cs typeface="Arial"/>
                 <a:sym typeface="Arial"/>
               </a:rPr>
-              <a:t>Built with </a:t>
-            </a:r>
-            <a:r>
-              <a:rPr lang="en-IN" sz="1100" b="1" dirty="0" err="1">
+              <a:t>Retrieval-Augmented Generation (RAG)</a:t>
+            </a:r>
+            <a:r>
+              <a:rPr lang="en-IN" sz="1400" dirty="0">
                 <a:solidFill>
                   <a:srgbClr val="000000"/>
                 </a:solidFill>
@@ -8349,10 +8441,10 @@
                 <a:cs typeface="Arial"/>
                 <a:sym typeface="Arial"/>
               </a:rPr>
-              <a:t>Streamlit</a:t>
-            </a:r>
-            <a:r>
-              <a:rPr lang="en-IN" sz="1100" dirty="0">
+              <a:t> with </a:t>
+            </a:r>
+            <a:r>
+              <a:rPr lang="en-IN" sz="1400" b="1" dirty="0">
                 <a:solidFill>
                   <a:srgbClr val="000000"/>
                 </a:solidFill>
@@ -8361,163 +8453,9 @@
                 <a:cs typeface="Arial"/>
                 <a:sym typeface="Arial"/>
               </a:rPr>
-              <a:t> for the user interface.</a:t>
-            </a:r>
-            <a:br>
-              <a:rPr lang="en-IN" sz="1100" dirty="0">
-                <a:solidFill>
-                  <a:srgbClr val="000000"/>
-                </a:solidFill>
-                <a:latin typeface="Arial"/>
-                <a:ea typeface="Arial"/>
-                <a:cs typeface="Arial"/>
-                <a:sym typeface="Arial"/>
-              </a:rPr>
-            </a:br>
-            <a:r>
-              <a:rPr lang="en" sz="1100" dirty="0">
-                <a:solidFill>
-                  <a:srgbClr val="000000"/>
-                </a:solidFill>
-                <a:latin typeface="Arial"/>
-                <a:ea typeface="Arial"/>
-                <a:cs typeface="Arial"/>
-                <a:sym typeface="Arial"/>
-              </a:rPr>
-              <a:t>✔ </a:t>
-            </a:r>
-            <a:r>
-              <a:rPr lang="en-IN" sz="1100" dirty="0">
-                <a:solidFill>
-                  <a:srgbClr val="000000"/>
-                </a:solidFill>
-                <a:latin typeface="Arial"/>
-                <a:ea typeface="Arial"/>
-                <a:cs typeface="Arial"/>
-                <a:sym typeface="Arial"/>
-              </a:rPr>
-              <a:t>Utilizes </a:t>
-            </a:r>
-            <a:r>
-              <a:rPr lang="en-IN" sz="1100" b="1" dirty="0">
-                <a:solidFill>
-                  <a:srgbClr val="000000"/>
-                </a:solidFill>
-                <a:latin typeface="Arial"/>
-                <a:ea typeface="Arial"/>
-                <a:cs typeface="Arial"/>
-                <a:sym typeface="Arial"/>
-              </a:rPr>
-              <a:t>Cohere embeddings</a:t>
-            </a:r>
-            <a:r>
-              <a:rPr lang="en-IN" sz="1100" dirty="0">
-                <a:solidFill>
-                  <a:srgbClr val="000000"/>
-                </a:solidFill>
-                <a:latin typeface="Arial"/>
-                <a:ea typeface="Arial"/>
-                <a:cs typeface="Arial"/>
-                <a:sym typeface="Arial"/>
-              </a:rPr>
-              <a:t> and </a:t>
-            </a:r>
-            <a:r>
-              <a:rPr lang="en-IN" sz="1100" b="1" dirty="0">
-                <a:solidFill>
-                  <a:srgbClr val="000000"/>
-                </a:solidFill>
-                <a:latin typeface="Arial"/>
-                <a:ea typeface="Arial"/>
-                <a:cs typeface="Arial"/>
-                <a:sym typeface="Arial"/>
-              </a:rPr>
-              <a:t>Pinecone</a:t>
-            </a:r>
-            <a:r>
-              <a:rPr lang="en-IN" sz="1100" dirty="0">
-                <a:solidFill>
-                  <a:srgbClr val="000000"/>
-                </a:solidFill>
-                <a:latin typeface="Arial"/>
-                <a:ea typeface="Arial"/>
-                <a:cs typeface="Arial"/>
-                <a:sym typeface="Arial"/>
-              </a:rPr>
-              <a:t> for vector storage.</a:t>
-            </a:r>
-            <a:br>
-              <a:rPr lang="en-IN" sz="1100" dirty="0">
-                <a:solidFill>
-                  <a:srgbClr val="000000"/>
-                </a:solidFill>
-                <a:latin typeface="Arial"/>
-                <a:ea typeface="Arial"/>
-                <a:cs typeface="Arial"/>
-                <a:sym typeface="Arial"/>
-              </a:rPr>
-            </a:br>
-            <a:r>
-              <a:rPr lang="en" sz="1100" dirty="0">
-                <a:solidFill>
-                  <a:srgbClr val="000000"/>
-                </a:solidFill>
-                <a:latin typeface="Arial"/>
-                <a:ea typeface="Arial"/>
-                <a:cs typeface="Arial"/>
-                <a:sym typeface="Arial"/>
-              </a:rPr>
-              <a:t>✔ </a:t>
-            </a:r>
-            <a:r>
-              <a:rPr lang="en-IN" sz="1100" dirty="0">
-                <a:solidFill>
-                  <a:srgbClr val="000000"/>
-                </a:solidFill>
-                <a:latin typeface="Arial"/>
-                <a:ea typeface="Arial"/>
-                <a:cs typeface="Arial"/>
-                <a:sym typeface="Arial"/>
-              </a:rPr>
-              <a:t>Implements </a:t>
-            </a:r>
-            <a:r>
-              <a:rPr lang="en-IN" sz="1100" b="1" dirty="0">
-                <a:solidFill>
-                  <a:srgbClr val="000000"/>
-                </a:solidFill>
-                <a:latin typeface="Arial"/>
-                <a:ea typeface="Arial"/>
-                <a:cs typeface="Arial"/>
-                <a:sym typeface="Arial"/>
-              </a:rPr>
-              <a:t>Retrieval-Augmented Generation (RAG)</a:t>
-            </a:r>
-            <a:r>
-              <a:rPr lang="en-IN" sz="1100" dirty="0">
-                <a:solidFill>
-                  <a:srgbClr val="000000"/>
-                </a:solidFill>
-                <a:latin typeface="Arial"/>
-                <a:ea typeface="Arial"/>
-                <a:cs typeface="Arial"/>
-                <a:sym typeface="Arial"/>
-              </a:rPr>
-              <a:t> with </a:t>
-            </a:r>
-            <a:r>
-              <a:rPr lang="en-IN" sz="1100" b="1" dirty="0">
-                <a:solidFill>
-                  <a:srgbClr val="000000"/>
-                </a:solidFill>
-                <a:latin typeface="Arial"/>
-                <a:ea typeface="Arial"/>
-                <a:cs typeface="Arial"/>
-                <a:sym typeface="Arial"/>
-              </a:rPr>
               <a:t>Gemini Flash LLM</a:t>
             </a:r>
-            <a:endParaRPr lang="en-IN" dirty="0"/>
+            <a:endParaRPr lang="en-IN" sz="1400" dirty="0"/>
           </a:p>
         </p:txBody>
       </p:sp>
@@ -9255,7 +9193,7 @@
                 </a:solidFill>
                 <a:latin typeface="+mn-lt"/>
               </a:rPr>
-              <a:t> – AI predicts incident type</a:t>
+              <a:t> – predicts incident type</a:t>
             </a:r>
           </a:p>
           <a:p>
@@ -9275,7 +9213,7 @@
                 </a:solidFill>
                 <a:latin typeface="+mn-lt"/>
               </a:rPr>
-              <a:t>Dynamic Questioning</a:t>
+              <a:t>Questioning</a:t>
             </a:r>
             <a:r>
               <a:rPr lang="en-US" sz="1600" dirty="0">
@@ -10109,16 +10047,30 @@
           </a:bodyPr>
           <a:lstStyle/>
           <a:p>
-            <a:pPr marL="0" lvl="0" indent="0" algn="l" rtl="0">
-              <a:spcBef>
-                <a:spcPts val="0"/>
-              </a:spcBef>
-              <a:spcAft>
-                <a:spcPts val="0"/>
-              </a:spcAft>
-              <a:buNone/>
-            </a:pPr>
-            <a:endParaRPr/>
+            <a:r>
+              <a:rPr lang="en-IN" sz="3200" dirty="0">
+                <a:solidFill>
+                  <a:srgbClr val="000000"/>
+                </a:solidFill>
+                <a:latin typeface="Arial"/>
+                <a:ea typeface="Arial"/>
+                <a:cs typeface="Arial"/>
+                <a:sym typeface="Arial"/>
+              </a:rPr>
+              <a:t>Key Features:</a:t>
+            </a:r>
+            <a:br>
+              <a:rPr lang="en-IN" sz="3200" dirty="0">
+                <a:solidFill>
+                  <a:srgbClr val="000000"/>
+                </a:solidFill>
+                <a:latin typeface="Arial"/>
+                <a:ea typeface="Arial"/>
+                <a:cs typeface="Arial"/>
+                <a:sym typeface="Arial"/>
+              </a:rPr>
+            </a:br>
+            <a:endParaRPr dirty="0"/>
           </a:p>
         </p:txBody>
       </p:sp>
@@ -10143,11 +10095,11 @@
         </p:spPr>
         <p:txBody>
           <a:bodyPr spcFirstLastPara="1" wrap="square" lIns="91425" tIns="91425" rIns="91425" bIns="91425" anchor="t" anchorCtr="0">
-            <a:normAutofit fontScale="77500" lnSpcReduction="20000"/>
+            <a:normAutofit lnSpcReduction="10000"/>
           </a:bodyPr>
           <a:lstStyle/>
           <a:p>
-            <a:pPr marL="0" lvl="0" indent="0" algn="l" rtl="0">
+            <a:pPr marL="285750" lvl="0" indent="-285750" algn="l" rtl="0">
               <a:lnSpc>
                 <a:spcPct val="200000"/>
               </a:lnSpc>
@@ -10157,10 +10109,11 @@
               <a:spcAft>
                 <a:spcPts val="0"/>
               </a:spcAft>
-              <a:buNone/>
+              <a:buFont typeface="Wingdings" panose="05000000000000000000" pitchFamily="2" charset="2"/>
+              <a:buChar char="Ø"/>
             </a:pPr>
             <a:r>
-              <a:rPr lang="en" sz="1600" dirty="0">
+              <a:rPr lang="en-US" sz="1600" dirty="0">
                 <a:solidFill>
                   <a:srgbClr val="000000"/>
                 </a:solidFill>
@@ -10169,53 +10122,8 @@
                 <a:cs typeface="Arial"/>
                 <a:sym typeface="Arial"/>
               </a:rPr>
-              <a:t>Key Features:</a:t>
-            </a:r>
-            <a:endParaRPr sz="1600" dirty="0">
-              <a:solidFill>
-                <a:srgbClr val="000000"/>
-              </a:solidFill>
-              <a:latin typeface="Arial"/>
-              <a:ea typeface="Arial"/>
-              <a:cs typeface="Arial"/>
-              <a:sym typeface="Arial"/>
-            </a:endParaRPr>
-          </a:p>
-          <a:p>
-            <a:pPr marL="285750" lvl="0" indent="-285750" algn="l" rtl="0">
-              <a:lnSpc>
-                <a:spcPct val="200000"/>
-              </a:lnSpc>
-              <a:spcBef>
-                <a:spcPts val="1200"/>
-              </a:spcBef>
-              <a:spcAft>
-                <a:spcPts val="0"/>
-              </a:spcAft>
-              <a:buFont typeface="Wingdings" panose="05000000000000000000" pitchFamily="2" charset="2"/>
-              <a:buChar char="Ø"/>
-            </a:pPr>
-            <a:r>
-              <a:rPr lang="en" sz="1600" dirty="0">
-                <a:solidFill>
-                  <a:srgbClr val="000000"/>
-                </a:solidFill>
-                <a:latin typeface="Arial"/>
-                <a:ea typeface="Arial"/>
-                <a:cs typeface="Arial"/>
-                <a:sym typeface="Arial"/>
-              </a:rPr>
-              <a:t> L0 bot designed to reduce the workload of the L1 bot.</a:t>
-            </a:r>
-            <a:endParaRPr sz="1600" dirty="0">
-              <a:solidFill>
-                <a:srgbClr val="000000"/>
-              </a:solidFill>
-              <a:latin typeface="Arial"/>
-              <a:ea typeface="Arial"/>
-              <a:cs typeface="Arial"/>
-              <a:sym typeface="Arial"/>
-            </a:endParaRPr>
+              <a:t>L0 bot designed to reduce the workload of the L1 bot.</a:t>
+            </a:r>
           </a:p>
           <a:p>
             <a:pPr marL="285750" lvl="0" indent="-285750" algn="l" rtl="0">
@@ -12829,7 +12737,7 @@
               <a:buNone/>
             </a:pPr>
             <a:r>
-              <a:rPr lang="en" sz="1100">
+              <a:rPr lang="en" sz="1100" dirty="0">
                 <a:solidFill>
                   <a:srgbClr val="000000"/>
                 </a:solidFill>
@@ -12840,7 +12748,7 @@
               </a:rPr>
               <a:t>Founded in May 2021, TVS Digital is a Singapore-headquartered company delivering innovative solutions for the Automotive and Financial Services industries using cutting-edge technologies. The company operates across ASEAN and South Asia, with a growing global presence and a team of over 200 professionals.</a:t>
             </a:r>
-            <a:endParaRPr sz="1100">
+            <a:endParaRPr sz="1100" dirty="0">
               <a:solidFill>
                 <a:srgbClr val="000000"/>
               </a:solidFill>
@@ -12861,7 +12769,7 @@
               <a:buNone/>
             </a:pPr>
             <a:r>
-              <a:rPr lang="en" sz="1100" b="1">
+              <a:rPr lang="en" sz="1100" b="1" dirty="0">
                 <a:solidFill>
                   <a:srgbClr val="000000"/>
                 </a:solidFill>
@@ -12872,7 +12780,7 @@
               </a:rPr>
               <a:t>Key Offerings:</a:t>
             </a:r>
-            <a:endParaRPr sz="1100" b="1">
+            <a:endParaRPr sz="1100" b="1" dirty="0">
               <a:solidFill>
                 <a:srgbClr val="000000"/>
               </a:solidFill>
@@ -12893,7 +12801,7 @@
               <a:buNone/>
             </a:pPr>
             <a:r>
-              <a:rPr lang="en" sz="1100">
+              <a:rPr lang="en" sz="1100" dirty="0">
                 <a:solidFill>
                   <a:srgbClr val="000000"/>
                 </a:solidFill>
@@ -12905,7 +12813,7 @@
               <a:t>• </a:t>
             </a:r>
             <a:r>
-              <a:rPr lang="en" sz="1100" b="1">
+              <a:rPr lang="en" sz="1100" b="1" dirty="0">
                 <a:solidFill>
                   <a:srgbClr val="000000"/>
                 </a:solidFill>
@@ -12917,7 +12825,7 @@
               <a:t>Products:</a:t>
             </a:r>
             <a:r>
-              <a:rPr lang="en" sz="1100">
+              <a:rPr lang="en" sz="1100" dirty="0">
                 <a:solidFill>
                   <a:srgbClr val="000000"/>
                 </a:solidFill>
@@ -12928,7 +12836,7 @@
               </a:rPr>
               <a:t> Autotech &amp; Fintech platforms that have evolved and scaled over the past three years.</a:t>
             </a:r>
-            <a:endParaRPr sz="1100">
+            <a:endParaRPr sz="1100" dirty="0">
               <a:solidFill>
                 <a:srgbClr val="000000"/>
               </a:solidFill>
@@ -12949,7 +12857,7 @@
               <a:buNone/>
             </a:pPr>
             <a:r>
-              <a:rPr lang="en" sz="1100">
+              <a:rPr lang="en" sz="1100" dirty="0">
                 <a:solidFill>
                   <a:srgbClr val="000000"/>
                 </a:solidFill>
@@ -12961,7 +12869,7 @@
               <a:t>• </a:t>
             </a:r>
             <a:r>
-              <a:rPr lang="en" sz="1100" b="1">
+              <a:rPr lang="en" sz="1100" b="1" dirty="0">
                 <a:solidFill>
                   <a:srgbClr val="000000"/>
                 </a:solidFill>
@@ -12973,7 +12881,7 @@
               <a:t>Services:</a:t>
             </a:r>
             <a:r>
-              <a:rPr lang="en" sz="1100">
+              <a:rPr lang="en" sz="1100" dirty="0">
                 <a:solidFill>
                   <a:srgbClr val="000000"/>
                 </a:solidFill>
@@ -12984,7 +12892,7 @@
               </a:rPr>
               <a:t> Implementation and support for industry-leading platforms like Salesforce.</a:t>
             </a:r>
-            <a:endParaRPr sz="1100">
+            <a:endParaRPr sz="1100" dirty="0">
               <a:solidFill>
                 <a:srgbClr val="000000"/>
               </a:solidFill>
@@ -13005,7 +12913,7 @@
               <a:buNone/>
             </a:pPr>
             <a:r>
-              <a:rPr lang="en" sz="1100" b="1">
+              <a:rPr lang="en" sz="1100" b="1" dirty="0">
                 <a:solidFill>
                   <a:srgbClr val="000000"/>
                 </a:solidFill>
@@ -13016,7 +12924,7 @@
               </a:rPr>
               <a:t>Certifications &amp; Compliance:</a:t>
             </a:r>
-            <a:endParaRPr sz="1100" b="1">
+            <a:endParaRPr sz="1100" b="1" dirty="0">
               <a:solidFill>
                 <a:srgbClr val="000000"/>
               </a:solidFill>
@@ -13037,7 +12945,7 @@
               <a:buNone/>
             </a:pPr>
             <a:r>
-              <a:rPr lang="en" sz="1100">
+              <a:rPr lang="en" sz="1100" dirty="0">
                 <a:solidFill>
                   <a:srgbClr val="000000"/>
                 </a:solidFill>
@@ -13048,7 +12956,7 @@
               </a:rPr>
               <a:t>• ISO27001 &amp; APEC Data Privacy Certification for security and credibility.</a:t>
             </a:r>
-            <a:endParaRPr sz="1100">
+            <a:endParaRPr sz="1100" dirty="0">
               <a:solidFill>
                 <a:srgbClr val="000000"/>
               </a:solidFill>
@@ -13069,7 +12977,7 @@
               <a:buNone/>
             </a:pPr>
             <a:r>
-              <a:rPr lang="en" sz="1100">
+              <a:rPr lang="en" sz="1100" dirty="0">
                 <a:solidFill>
                   <a:srgbClr val="000000"/>
                 </a:solidFill>
@@ -13080,7 +12988,7 @@
               </a:rPr>
               <a:t>• VAPT Certified by reputed assessors in Singapore.</a:t>
             </a:r>
-            <a:endParaRPr sz="1100">
+            <a:endParaRPr sz="1100" dirty="0">
               <a:solidFill>
                 <a:srgbClr val="000000"/>
               </a:solidFill>
@@ -13100,7 +13008,7 @@
               </a:spcAft>
               <a:buNone/>
             </a:pPr>
-            <a:endParaRPr sz="1100" b="1"/>
+            <a:endParaRPr sz="1100" b="1" dirty="0"/>
           </a:p>
         </p:txBody>
       </p:sp>
@@ -13562,10 +13470,21 @@
         </p:nvSpPr>
         <p:spPr/>
         <p:txBody>
-          <a:bodyPr/>
+          <a:bodyPr>
+            <a:normAutofit fontScale="90000"/>
+          </a:bodyPr>
           <a:lstStyle/>
           <a:p>
-            <a:endParaRPr lang="en-IN"/>
+            <a:r>
+              <a:rPr lang="en-IN" dirty="0">
+                <a:solidFill>
+                  <a:schemeClr val="accent2">
+                    <a:lumMod val="50000"/>
+                  </a:schemeClr>
+                </a:solidFill>
+              </a:rPr>
+              <a:t>Work Environment</a:t>
+            </a:r>
           </a:p>
         </p:txBody>
       </p:sp>
@@ -13845,7 +13764,7 @@
               <a:buNone/>
             </a:pPr>
             <a:r>
-              <a:rPr lang="en" sz="1100">
+              <a:rPr lang="en" sz="1100" dirty="0">
                 <a:solidFill>
                   <a:srgbClr val="000000"/>
                 </a:solidFill>
@@ -13857,7 +13776,7 @@
               <a:t>Joined TVS Digital as a Data Science Intern in December 2024.</a:t>
             </a:r>
             <a:br>
-              <a:rPr lang="en" sz="1100">
+              <a:rPr lang="en" sz="1100" dirty="0">
                 <a:solidFill>
                   <a:srgbClr val="000000"/>
                 </a:solidFill>
@@ -13868,7 +13787,7 @@
               </a:rPr>
             </a:br>
             <a:r>
-              <a:rPr lang="en" sz="1100">
+              <a:rPr lang="en" sz="1100" dirty="0">
                 <a:solidFill>
                   <a:srgbClr val="000000"/>
                 </a:solidFill>
@@ -13879,7 +13798,7 @@
               </a:rPr>
               <a:t>• Worked on two key projects:</a:t>
             </a:r>
-            <a:endParaRPr sz="1100">
+            <a:endParaRPr sz="1100" dirty="0">
               <a:solidFill>
                 <a:srgbClr val="000000"/>
               </a:solidFill>
@@ -13908,7 +13827,7 @@
               <a:buAutoNum type="arabicPeriod"/>
             </a:pPr>
             <a:r>
-              <a:rPr lang="en" sz="1100" b="1">
+              <a:rPr lang="en" sz="1100" b="1" dirty="0">
                 <a:solidFill>
                   <a:srgbClr val="000000"/>
                 </a:solidFill>
@@ -13920,7 +13839,7 @@
               <a:t>AI Chatbot</a:t>
             </a:r>
             <a:r>
-              <a:rPr lang="en" sz="1100">
+              <a:rPr lang="en" sz="1100" dirty="0">
                 <a:solidFill>
                   <a:srgbClr val="000000"/>
                 </a:solidFill>
@@ -13932,7 +13851,7 @@
               <a:t> – Built a Sales Copilot using RAG with the</a:t>
             </a:r>
             <a:r>
-              <a:rPr lang="en" sz="1100" b="1">
+              <a:rPr lang="en" sz="1100" b="1" dirty="0">
                 <a:solidFill>
                   <a:srgbClr val="000000"/>
                 </a:solidFill>
@@ -13943,7 +13862,7 @@
               </a:rPr>
               <a:t> Gemini Flash LLM.</a:t>
             </a:r>
-            <a:endParaRPr sz="1100" b="1">
+            <a:endParaRPr sz="1100" b="1" dirty="0">
               <a:solidFill>
                 <a:srgbClr val="000000"/>
               </a:solidFill>
@@ -13972,7 +13891,7 @@
               <a:buAutoNum type="arabicPeriod"/>
             </a:pPr>
             <a:r>
-              <a:rPr lang="en" sz="1100" b="1">
+              <a:rPr lang="en" sz="1100" b="1" dirty="0">
                 <a:solidFill>
                   <a:srgbClr val="000000"/>
                 </a:solidFill>
@@ -13984,7 +13903,7 @@
               <a:t>Rule-Based + AI Chatbot</a:t>
             </a:r>
             <a:r>
-              <a:rPr lang="en" sz="1100">
+              <a:rPr lang="en" sz="1100" dirty="0">
                 <a:solidFill>
                   <a:srgbClr val="000000"/>
                 </a:solidFill>
@@ -13996,7 +13915,7 @@
               <a:t> – Developed a ticket resolution L0 chatbot that combines </a:t>
             </a:r>
             <a:r>
-              <a:rPr lang="en" sz="1100" b="1">
+              <a:rPr lang="en" sz="1100" b="1" dirty="0">
                 <a:solidFill>
                   <a:srgbClr val="000000"/>
                 </a:solidFill>
@@ -14008,7 +13927,7 @@
               <a:t>Rule-based</a:t>
             </a:r>
             <a:r>
-              <a:rPr lang="en" sz="1100">
+              <a:rPr lang="en" sz="1100" dirty="0">
                 <a:solidFill>
                   <a:srgbClr val="000000"/>
                 </a:solidFill>
@@ -14020,7 +13939,7 @@
               <a:t> logic with RAG using the </a:t>
             </a:r>
             <a:r>
-              <a:rPr lang="en" sz="1100" b="1">
+              <a:rPr lang="en" sz="1100" b="1" dirty="0">
                 <a:solidFill>
                   <a:srgbClr val="000000"/>
                 </a:solidFill>
@@ -14031,7 +13950,7 @@
               </a:rPr>
               <a:t>Gemini Flash LLM.</a:t>
             </a:r>
-            <a:endParaRPr sz="1200" b="1">
+            <a:endParaRPr sz="1200" b="1" dirty="0">
               <a:solidFill>
                 <a:srgbClr val="000000"/>
               </a:solidFill>
@@ -14159,7 +14078,7 @@
               <a:buNone/>
             </a:pPr>
             <a:r>
-              <a:rPr lang="en" sz="1400" b="1" dirty="0">
+              <a:rPr lang="en" sz="1600" b="1" dirty="0">
                 <a:solidFill>
                   <a:srgbClr val="000000"/>
                 </a:solidFill>
@@ -14171,7 +14090,7 @@
               <a:t>Objective:</a:t>
             </a:r>
             <a:br>
-              <a:rPr lang="en" sz="1400" b="1" dirty="0">
+              <a:rPr lang="en" sz="1600" b="1" dirty="0">
                 <a:solidFill>
                   <a:srgbClr val="000000"/>
                 </a:solidFill>
@@ -14182,7 +14101,7 @@
               </a:rPr>
             </a:br>
             <a:r>
-              <a:rPr lang="en" sz="1400" dirty="0">
+              <a:rPr lang="en" sz="1600" dirty="0">
                 <a:solidFill>
                   <a:srgbClr val="000000"/>
                 </a:solidFill>
@@ -14191,9 +14110,9 @@
                 <a:cs typeface="Arial"/>
                 <a:sym typeface="Arial"/>
               </a:rPr>
-              <a:t>Develop a Sales Copilot to assist sales personnel. In showrooms, there are often new hires, making it challenging to train them on vehicle details and other essential information. An AI-powered assistant can be installed to help sales personnel quickly access and provide accurate information to customers, enhancing their efficiency and customer experience</a:t>
-            </a:r>
-            <a:endParaRPr sz="1400" b="1" dirty="0">
+              <a:t>Develop a Sales Copilot to assist sales personnel. In showrooms, there are often new hires, making it challenging to train them on vehicle details and other essential information. An AI-powered assistant can be installed to help sales personnel quickly access and provide accurate information to customers, enhancing their efficiency and customer experience.</a:t>
+            </a:r>
+            <a:endParaRPr sz="1600" b="1" dirty="0">
               <a:solidFill>
                 <a:srgbClr val="000000"/>
               </a:solidFill>
